--- a/DD/Presentation/DD.pptx
+++ b/DD/Presentation/DD.pptx
@@ -124,7 +124,16 @@
       </a:defRPr>
     </a:lvl9pPr>
   </p:defaultTextStyle>
+  <p:extLst>
+    <p:ext uri="{EFAFB233-063F-42B5-8137-9DF3F51BA10A}">
+      <p15:sldGuideLst xmlns:p15="http://schemas.microsoft.com/office/powerpoint/2012/main"/>
+    </p:ext>
+  </p:extLst>
 </p:presentation>
+</file>
+
+<file path=ppt/revisionInfo.xml><?xml version="1.0" encoding="utf-8"?>
+<p1510:revInfo xmlns:a="http://schemas.openxmlformats.org/drawingml/2006/main" xmlns:r="http://schemas.openxmlformats.org/officeDocument/2006/relationships" xmlns:p1510="http://schemas.microsoft.com/office/powerpoint/2015/10/main"/>
 </file>
 
 <file path=ppt/notesMasters/notesMaster1.xml><?xml version="1.0" encoding="utf-8"?>
@@ -209,7 +218,7 @@
           <a:p>
             <a:fld id="{55C9F602-07FB-4474-AFDA-3B79FC0B0FFA}" type="datetimeFigureOut">
               <a:rPr lang="en-GB" smtClean="0"/>
-              <a:t>27/11/2017</a:t>
+              <a:t>28/11/2017</a:t>
             </a:fld>
             <a:endParaRPr lang="en-GB"/>
           </a:p>
@@ -273,35 +282,35 @@
           <a:p>
             <a:pPr lvl="0"/>
             <a:r>
-              <a:rPr lang="it-IT" smtClean="0"/>
+              <a:rPr lang="it-IT"/>
               <a:t>Fare clic per modificare stili del testo dello schema</a:t>
             </a:r>
           </a:p>
           <a:p>
             <a:pPr lvl="1"/>
             <a:r>
-              <a:rPr lang="it-IT" smtClean="0"/>
+              <a:rPr lang="it-IT"/>
               <a:t>Secondo livello</a:t>
             </a:r>
           </a:p>
           <a:p>
             <a:pPr lvl="2"/>
             <a:r>
-              <a:rPr lang="it-IT" smtClean="0"/>
+              <a:rPr lang="it-IT"/>
               <a:t>Terzo livello</a:t>
             </a:r>
           </a:p>
           <a:p>
             <a:pPr lvl="3"/>
             <a:r>
-              <a:rPr lang="it-IT" smtClean="0"/>
+              <a:rPr lang="it-IT"/>
               <a:t>Quarto livello</a:t>
             </a:r>
           </a:p>
           <a:p>
             <a:pPr lvl="4"/>
             <a:r>
-              <a:rPr lang="it-IT" smtClean="0"/>
+              <a:rPr lang="it-IT"/>
               <a:t>Quinto livello</a:t>
             </a:r>
             <a:endParaRPr lang="en-GB"/>
@@ -605,7 +614,7 @@
           </a:lstStyle>
           <a:p>
             <a:r>
-              <a:rPr lang="it-IT" smtClean="0"/>
+              <a:rPr lang="it-IT"/>
               <a:t>Fare clic per modificare lo stile del titolo</a:t>
             </a:r>
             <a:endParaRPr lang="en-US" dirty="0"/>
@@ -679,7 +688,7 @@
           </a:lstStyle>
           <a:p>
             <a:r>
-              <a:rPr lang="it-IT" smtClean="0"/>
+              <a:rPr lang="it-IT"/>
               <a:t>Fare clic per modificare lo stile del sottotitolo dello schema</a:t>
             </a:r>
             <a:endParaRPr lang="en-US" dirty="0"/>
@@ -703,7 +712,7 @@
           <a:p>
             <a:fld id="{74D33935-DC04-4017-ABFF-46F4C131478B}" type="datetimeFigureOut">
               <a:rPr lang="en-GB" smtClean="0"/>
-              <a:t>27/11/2017</a:t>
+              <a:t>28/11/2017</a:t>
             </a:fld>
             <a:endParaRPr lang="en-GB"/>
           </a:p>
@@ -761,13 +770,6 @@
   <p:clrMapOvr>
     <a:masterClrMapping/>
   </p:clrMapOvr>
-  <p:timing>
-    <p:tnLst>
-      <p:par>
-        <p:cTn id="1" dur="indefinite" restart="never" nodeType="tmRoot"/>
-      </p:par>
-    </p:tnLst>
-  </p:timing>
 </p:sldLayout>
 </file>
 
@@ -804,7 +806,7 @@
           <a:lstStyle/>
           <a:p>
             <a:r>
-              <a:rPr lang="it-IT" smtClean="0"/>
+              <a:rPr lang="it-IT"/>
               <a:t>Fare clic per modificare lo stile del titolo</a:t>
             </a:r>
             <a:endParaRPr lang="en-US"/>
@@ -828,35 +830,35 @@
           <a:p>
             <a:pPr lvl="0"/>
             <a:r>
-              <a:rPr lang="it-IT" smtClean="0"/>
+              <a:rPr lang="it-IT"/>
               <a:t>Fare clic per modificare stili del testo dello schema</a:t>
             </a:r>
           </a:p>
           <a:p>
             <a:pPr lvl="1"/>
             <a:r>
-              <a:rPr lang="it-IT" smtClean="0"/>
+              <a:rPr lang="it-IT"/>
               <a:t>Secondo livello</a:t>
             </a:r>
           </a:p>
           <a:p>
             <a:pPr lvl="2"/>
             <a:r>
-              <a:rPr lang="it-IT" smtClean="0"/>
+              <a:rPr lang="it-IT"/>
               <a:t>Terzo livello</a:t>
             </a:r>
           </a:p>
           <a:p>
             <a:pPr lvl="3"/>
             <a:r>
-              <a:rPr lang="it-IT" smtClean="0"/>
+              <a:rPr lang="it-IT"/>
               <a:t>Quarto livello</a:t>
             </a:r>
           </a:p>
           <a:p>
             <a:pPr lvl="4"/>
             <a:r>
-              <a:rPr lang="it-IT" smtClean="0"/>
+              <a:rPr lang="it-IT"/>
               <a:t>Quinto livello</a:t>
             </a:r>
             <a:endParaRPr lang="en-US" dirty="0"/>
@@ -880,7 +882,7 @@
           <a:p>
             <a:fld id="{74D33935-DC04-4017-ABFF-46F4C131478B}" type="datetimeFigureOut">
               <a:rPr lang="en-GB" smtClean="0"/>
-              <a:t>27/11/2017</a:t>
+              <a:t>28/11/2017</a:t>
             </a:fld>
             <a:endParaRPr lang="en-GB"/>
           </a:p>
@@ -979,7 +981,7 @@
           <a:lstStyle/>
           <a:p>
             <a:r>
-              <a:rPr lang="it-IT" smtClean="0"/>
+              <a:rPr lang="it-IT"/>
               <a:t>Fare clic per modificare lo stile del titolo</a:t>
             </a:r>
             <a:endParaRPr lang="en-US"/>
@@ -1008,35 +1010,35 @@
           <a:p>
             <a:pPr lvl="0"/>
             <a:r>
-              <a:rPr lang="it-IT" smtClean="0"/>
+              <a:rPr lang="it-IT"/>
               <a:t>Fare clic per modificare stili del testo dello schema</a:t>
             </a:r>
           </a:p>
           <a:p>
             <a:pPr lvl="1"/>
             <a:r>
-              <a:rPr lang="it-IT" smtClean="0"/>
+              <a:rPr lang="it-IT"/>
               <a:t>Secondo livello</a:t>
             </a:r>
           </a:p>
           <a:p>
             <a:pPr lvl="2"/>
             <a:r>
-              <a:rPr lang="it-IT" smtClean="0"/>
+              <a:rPr lang="it-IT"/>
               <a:t>Terzo livello</a:t>
             </a:r>
           </a:p>
           <a:p>
             <a:pPr lvl="3"/>
             <a:r>
-              <a:rPr lang="it-IT" smtClean="0"/>
+              <a:rPr lang="it-IT"/>
               <a:t>Quarto livello</a:t>
             </a:r>
           </a:p>
           <a:p>
             <a:pPr lvl="4"/>
             <a:r>
-              <a:rPr lang="it-IT" smtClean="0"/>
+              <a:rPr lang="it-IT"/>
               <a:t>Quinto livello</a:t>
             </a:r>
             <a:endParaRPr lang="en-US"/>
@@ -1060,7 +1062,7 @@
           <a:p>
             <a:fld id="{74D33935-DC04-4017-ABFF-46F4C131478B}" type="datetimeFigureOut">
               <a:rPr lang="en-GB" smtClean="0"/>
-              <a:t>27/11/2017</a:t>
+              <a:t>28/11/2017</a:t>
             </a:fld>
             <a:endParaRPr lang="en-GB"/>
           </a:p>
@@ -1154,10 +1156,9 @@
           <a:lstStyle/>
           <a:p>
             <a:r>
-              <a:rPr lang="it-IT" smtClean="0"/>
+              <a:rPr lang="it-IT"/>
               <a:t>Fare clic per modificare lo stile del titolo</a:t>
             </a:r>
-            <a:endParaRPr lang="it-IT"/>
           </a:p>
         </p:txBody>
       </p:sp>
@@ -1178,38 +1179,37 @@
           <a:p>
             <a:pPr lvl="0"/>
             <a:r>
-              <a:rPr lang="it-IT" smtClean="0"/>
+              <a:rPr lang="it-IT"/>
               <a:t>Fare clic per modificare stili del testo dello schema</a:t>
             </a:r>
           </a:p>
           <a:p>
             <a:pPr lvl="1"/>
             <a:r>
-              <a:rPr lang="it-IT" smtClean="0"/>
+              <a:rPr lang="it-IT"/>
               <a:t>Secondo livello</a:t>
             </a:r>
           </a:p>
           <a:p>
             <a:pPr lvl="2"/>
             <a:r>
-              <a:rPr lang="it-IT" smtClean="0"/>
+              <a:rPr lang="it-IT"/>
               <a:t>Terzo livello</a:t>
             </a:r>
           </a:p>
           <a:p>
             <a:pPr lvl="3"/>
             <a:r>
-              <a:rPr lang="it-IT" smtClean="0"/>
+              <a:rPr lang="it-IT"/>
               <a:t>Quarto livello</a:t>
             </a:r>
           </a:p>
           <a:p>
             <a:pPr lvl="4"/>
             <a:r>
-              <a:rPr lang="it-IT" smtClean="0"/>
+              <a:rPr lang="it-IT"/>
               <a:t>Quinto livello</a:t>
             </a:r>
-            <a:endParaRPr lang="it-IT"/>
           </a:p>
         </p:txBody>
       </p:sp>
@@ -1230,7 +1230,7 @@
           <a:p>
             <a:fld id="{74D33935-DC04-4017-ABFF-46F4C131478B}" type="datetimeFigureOut">
               <a:rPr lang="en-GB" smtClean="0"/>
-              <a:t>27/11/2017</a:t>
+              <a:t>28/11/2017</a:t>
             </a:fld>
             <a:endParaRPr lang="en-GB"/>
           </a:p>
@@ -1288,13 +1288,6 @@
   <p:clrMapOvr>
     <a:masterClrMapping/>
   </p:clrMapOvr>
-  <p:timing>
-    <p:tnLst>
-      <p:par>
-        <p:cTn id="1" dur="indefinite" restart="never" nodeType="tmRoot"/>
-      </p:par>
-    </p:tnLst>
-  </p:timing>
 </p:sldLayout>
 </file>
 
@@ -1428,7 +1421,7 @@
           </a:lstStyle>
           <a:p>
             <a:r>
-              <a:rPr lang="it-IT" smtClean="0"/>
+              <a:rPr lang="it-IT"/>
               <a:t>Fare clic per modificare lo stile del titolo</a:t>
             </a:r>
             <a:endParaRPr lang="en-US" dirty="0"/>
@@ -1500,7 +1493,7 @@
           </a:lstStyle>
           <a:p>
             <a:r>
-              <a:rPr lang="it-IT" smtClean="0"/>
+              <a:rPr lang="it-IT"/>
               <a:t>Fare clic per modificare lo stile del sottotitolo dello schema</a:t>
             </a:r>
             <a:endParaRPr lang="en-US" dirty="0"/>
@@ -1525,7 +1518,7 @@
             <a:fld id="{80459A53-B729-4631-9578-6E34EFFC3466}" type="datetime1">
               <a:rPr lang="it-IT" smtClean="0"/>
               <a:pPr/>
-              <a:t>27/11/2017</a:t>
+              <a:t>28/11/2017</a:t>
             </a:fld>
             <a:endParaRPr lang="it-IT"/>
           </a:p>
@@ -1622,13 +1615,6 @@
   <p:clrMapOvr>
     <a:masterClrMapping/>
   </p:clrMapOvr>
-  <p:timing>
-    <p:tnLst>
-      <p:par>
-        <p:cTn id="1" dur="indefinite" restart="never" nodeType="tmRoot"/>
-      </p:par>
-    </p:tnLst>
-  </p:timing>
 </p:sldLayout>
 </file>
 
@@ -1669,7 +1655,7 @@
           </a:lstStyle>
           <a:p>
             <a:r>
-              <a:rPr lang="it-IT" smtClean="0"/>
+              <a:rPr lang="it-IT"/>
               <a:t>Fare clic per modificare lo stile del titolo</a:t>
             </a:r>
             <a:endParaRPr lang="en-US" dirty="0"/>
@@ -1706,35 +1692,35 @@
           <a:p>
             <a:pPr lvl="0"/>
             <a:r>
-              <a:rPr lang="it-IT" dirty="0" smtClean="0"/>
+              <a:rPr lang="it-IT" dirty="0"/>
               <a:t> Fare clic per modificare stili del testo dello schema</a:t>
             </a:r>
           </a:p>
           <a:p>
             <a:pPr lvl="1"/>
             <a:r>
-              <a:rPr lang="it-IT" dirty="0" smtClean="0"/>
+              <a:rPr lang="it-IT" dirty="0"/>
               <a:t>Secondo livello</a:t>
             </a:r>
           </a:p>
           <a:p>
             <a:pPr lvl="2"/>
             <a:r>
-              <a:rPr lang="it-IT" dirty="0" smtClean="0"/>
+              <a:rPr lang="it-IT" dirty="0"/>
               <a:t>Terzo livello</a:t>
             </a:r>
           </a:p>
           <a:p>
             <a:pPr lvl="3"/>
             <a:r>
-              <a:rPr lang="it-IT" dirty="0" smtClean="0"/>
+              <a:rPr lang="it-IT" dirty="0"/>
               <a:t>Quarto livello</a:t>
             </a:r>
           </a:p>
           <a:p>
             <a:pPr lvl="4"/>
             <a:r>
-              <a:rPr lang="it-IT" dirty="0" smtClean="0"/>
+              <a:rPr lang="it-IT" dirty="0"/>
               <a:t>Quinto livello</a:t>
             </a:r>
             <a:endParaRPr lang="en-US" dirty="0"/>
@@ -1759,7 +1745,7 @@
             <a:fld id="{FCE63AC6-737D-48A7-8280-F606E77FDD59}" type="datetime1">
               <a:rPr lang="it-IT" smtClean="0"/>
               <a:pPr/>
-              <a:t>27/11/2017</a:t>
+              <a:t>28/11/2017</a:t>
             </a:fld>
             <a:endParaRPr lang="it-IT"/>
           </a:p>
@@ -1818,13 +1804,6 @@
   <p:clrMapOvr>
     <a:masterClrMapping/>
   </p:clrMapOvr>
-  <p:timing>
-    <p:tnLst>
-      <p:par>
-        <p:cTn id="1" dur="indefinite" restart="never" nodeType="tmRoot"/>
-      </p:par>
-    </p:tnLst>
-  </p:timing>
 </p:sldLayout>
 </file>
 
@@ -1966,7 +1945,7 @@
           </a:lstStyle>
           <a:p>
             <a:r>
-              <a:rPr lang="it-IT" smtClean="0"/>
+              <a:rPr lang="it-IT"/>
               <a:t>Fare clic per modificare lo stile del titolo</a:t>
             </a:r>
             <a:endParaRPr lang="en-US" dirty="0"/>
@@ -2087,7 +2066,7 @@
           <a:p>
             <a:pPr lvl="0"/>
             <a:r>
-              <a:rPr lang="it-IT" smtClean="0"/>
+              <a:rPr lang="it-IT"/>
               <a:t>Fare clic per modificare stili del testo dello schema</a:t>
             </a:r>
           </a:p>
@@ -2111,7 +2090,7 @@
             <a:fld id="{46381BD7-5024-43E3-BA86-D305B69515D9}" type="datetime1">
               <a:rPr lang="it-IT" smtClean="0"/>
               <a:pPr/>
-              <a:t>27/11/2017</a:t>
+              <a:t>28/11/2017</a:t>
             </a:fld>
             <a:endParaRPr lang="it-IT"/>
           </a:p>
@@ -2208,13 +2187,6 @@
   <p:clrMapOvr>
     <a:masterClrMapping/>
   </p:clrMapOvr>
-  <p:timing>
-    <p:tnLst>
-      <p:par>
-        <p:cTn id="1" dur="indefinite" restart="never" nodeType="tmRoot"/>
-      </p:par>
-    </p:tnLst>
-  </p:timing>
 </p:sldLayout>
 </file>
 
@@ -2256,7 +2228,7 @@
           <a:lstStyle/>
           <a:p>
             <a:r>
-              <a:rPr lang="it-IT" smtClean="0"/>
+              <a:rPr lang="it-IT"/>
               <a:t>Fare clic per modificare lo stile del titolo</a:t>
             </a:r>
             <a:endParaRPr lang="en-US" dirty="0"/>
@@ -2289,35 +2261,35 @@
           <a:p>
             <a:pPr lvl="0"/>
             <a:r>
-              <a:rPr lang="it-IT" dirty="0" smtClean="0"/>
+              <a:rPr lang="it-IT" dirty="0"/>
               <a:t> Fare clic per modificare stili del testo dello schema</a:t>
             </a:r>
           </a:p>
           <a:p>
             <a:pPr lvl="1"/>
             <a:r>
-              <a:rPr lang="it-IT" dirty="0" smtClean="0"/>
+              <a:rPr lang="it-IT" dirty="0"/>
               <a:t>Secondo livello</a:t>
             </a:r>
           </a:p>
           <a:p>
             <a:pPr lvl="2"/>
             <a:r>
-              <a:rPr lang="it-IT" dirty="0" smtClean="0"/>
+              <a:rPr lang="it-IT" dirty="0"/>
               <a:t>Terzo livello</a:t>
             </a:r>
           </a:p>
           <a:p>
             <a:pPr lvl="3"/>
             <a:r>
-              <a:rPr lang="it-IT" dirty="0" smtClean="0"/>
+              <a:rPr lang="it-IT" dirty="0"/>
               <a:t>Quarto livello</a:t>
             </a:r>
           </a:p>
           <a:p>
             <a:pPr lvl="4"/>
             <a:r>
-              <a:rPr lang="it-IT" dirty="0" smtClean="0"/>
+              <a:rPr lang="it-IT" dirty="0"/>
               <a:t>Quinto livello</a:t>
             </a:r>
             <a:endParaRPr lang="en-US" dirty="0"/>
@@ -2350,35 +2322,35 @@
           <a:p>
             <a:pPr lvl="0"/>
             <a:r>
-              <a:rPr lang="it-IT" dirty="0" smtClean="0"/>
+              <a:rPr lang="it-IT" dirty="0"/>
               <a:t> Fare clic per modificare stili del testo dello schema</a:t>
             </a:r>
           </a:p>
           <a:p>
             <a:pPr lvl="1"/>
             <a:r>
-              <a:rPr lang="it-IT" dirty="0" smtClean="0"/>
+              <a:rPr lang="it-IT" dirty="0"/>
               <a:t>Secondo livello</a:t>
             </a:r>
           </a:p>
           <a:p>
             <a:pPr lvl="2"/>
             <a:r>
-              <a:rPr lang="it-IT" dirty="0" smtClean="0"/>
+              <a:rPr lang="it-IT" dirty="0"/>
               <a:t>Terzo livello</a:t>
             </a:r>
           </a:p>
           <a:p>
             <a:pPr lvl="3"/>
             <a:r>
-              <a:rPr lang="it-IT" dirty="0" smtClean="0"/>
+              <a:rPr lang="it-IT" dirty="0"/>
               <a:t>Quarto livello</a:t>
             </a:r>
           </a:p>
           <a:p>
             <a:pPr lvl="4"/>
             <a:r>
-              <a:rPr lang="it-IT" dirty="0" smtClean="0"/>
+              <a:rPr lang="it-IT" dirty="0"/>
               <a:t>Quinto livello</a:t>
             </a:r>
             <a:endParaRPr lang="en-US" dirty="0"/>
@@ -2403,7 +2375,7 @@
             <a:fld id="{B7E4C089-161D-45F9-BA3B-DF005531779B}" type="datetime1">
               <a:rPr lang="it-IT" smtClean="0"/>
               <a:pPr/>
-              <a:t>27/11/2017</a:t>
+              <a:t>28/11/2017</a:t>
             </a:fld>
             <a:endParaRPr lang="it-IT"/>
           </a:p>
@@ -2462,13 +2434,6 @@
   <p:clrMapOvr>
     <a:masterClrMapping/>
   </p:clrMapOvr>
-  <p:timing>
-    <p:tnLst>
-      <p:par>
-        <p:cTn id="1" dur="indefinite" restart="never" nodeType="tmRoot"/>
-      </p:par>
-    </p:tnLst>
-  </p:timing>
 </p:sldLayout>
 </file>
 
@@ -2510,7 +2475,7 @@
           <a:lstStyle/>
           <a:p>
             <a:r>
-              <a:rPr lang="it-IT" smtClean="0"/>
+              <a:rPr lang="it-IT"/>
               <a:t>Fare clic per modificare lo stile del titolo</a:t>
             </a:r>
             <a:endParaRPr lang="en-US" dirty="0"/>
@@ -2582,7 +2547,7 @@
           <a:p>
             <a:pPr lvl="0"/>
             <a:r>
-              <a:rPr lang="it-IT" smtClean="0"/>
+              <a:rPr lang="it-IT"/>
               <a:t>Fare clic per modificare stili del testo dello schema</a:t>
             </a:r>
           </a:p>
@@ -2614,35 +2579,35 @@
           <a:p>
             <a:pPr lvl="0"/>
             <a:r>
-              <a:rPr lang="it-IT" dirty="0" smtClean="0"/>
+              <a:rPr lang="it-IT" dirty="0"/>
               <a:t> Fare clic per modificare stili del testo dello schema</a:t>
             </a:r>
           </a:p>
           <a:p>
             <a:pPr lvl="1"/>
             <a:r>
-              <a:rPr lang="it-IT" dirty="0" smtClean="0"/>
+              <a:rPr lang="it-IT" dirty="0"/>
               <a:t>Secondo livello</a:t>
             </a:r>
           </a:p>
           <a:p>
             <a:pPr lvl="2"/>
             <a:r>
-              <a:rPr lang="it-IT" dirty="0" smtClean="0"/>
+              <a:rPr lang="it-IT" dirty="0"/>
               <a:t>Terzo livello</a:t>
             </a:r>
           </a:p>
           <a:p>
             <a:pPr lvl="3"/>
             <a:r>
-              <a:rPr lang="it-IT" dirty="0" smtClean="0"/>
+              <a:rPr lang="it-IT" dirty="0"/>
               <a:t>Quarto livello</a:t>
             </a:r>
           </a:p>
           <a:p>
             <a:pPr lvl="4"/>
             <a:r>
-              <a:rPr lang="it-IT" dirty="0" smtClean="0"/>
+              <a:rPr lang="it-IT" dirty="0"/>
               <a:t>Quinto livello</a:t>
             </a:r>
             <a:endParaRPr lang="en-US" dirty="0"/>
@@ -2714,7 +2679,7 @@
           <a:p>
             <a:pPr lvl="0"/>
             <a:r>
-              <a:rPr lang="it-IT" smtClean="0"/>
+              <a:rPr lang="it-IT"/>
               <a:t>Fare clic per modificare stili del testo dello schema</a:t>
             </a:r>
           </a:p>
@@ -2746,35 +2711,35 @@
           <a:p>
             <a:pPr lvl="0"/>
             <a:r>
-              <a:rPr lang="it-IT" dirty="0" smtClean="0"/>
+              <a:rPr lang="it-IT" dirty="0"/>
               <a:t> Fare clic per modificare stili del testo dello schema</a:t>
             </a:r>
           </a:p>
           <a:p>
             <a:pPr lvl="1"/>
             <a:r>
-              <a:rPr lang="it-IT" dirty="0" smtClean="0"/>
+              <a:rPr lang="it-IT" dirty="0"/>
               <a:t>Secondo livello</a:t>
             </a:r>
           </a:p>
           <a:p>
             <a:pPr lvl="2"/>
             <a:r>
-              <a:rPr lang="it-IT" dirty="0" smtClean="0"/>
+              <a:rPr lang="it-IT" dirty="0"/>
               <a:t>Terzo livello</a:t>
             </a:r>
           </a:p>
           <a:p>
             <a:pPr lvl="3"/>
             <a:r>
-              <a:rPr lang="it-IT" dirty="0" smtClean="0"/>
+              <a:rPr lang="it-IT" dirty="0"/>
               <a:t>Quarto livello</a:t>
             </a:r>
           </a:p>
           <a:p>
             <a:pPr lvl="4"/>
             <a:r>
-              <a:rPr lang="it-IT" dirty="0" smtClean="0"/>
+              <a:rPr lang="it-IT" dirty="0"/>
               <a:t>Quinto livello</a:t>
             </a:r>
             <a:endParaRPr lang="en-US" dirty="0"/>
@@ -2799,7 +2764,7 @@
             <a:fld id="{3683A939-33A9-471E-AF12-946DC792434E}" type="datetime1">
               <a:rPr lang="it-IT" smtClean="0"/>
               <a:pPr/>
-              <a:t>27/11/2017</a:t>
+              <a:t>28/11/2017</a:t>
             </a:fld>
             <a:endParaRPr lang="it-IT"/>
           </a:p>
@@ -2858,13 +2823,6 @@
   <p:clrMapOvr>
     <a:masterClrMapping/>
   </p:clrMapOvr>
-  <p:timing>
-    <p:tnLst>
-      <p:par>
-        <p:cTn id="1" dur="indefinite" restart="never" nodeType="tmRoot"/>
-      </p:par>
-    </p:tnLst>
-  </p:timing>
 </p:sldLayout>
 </file>
 
@@ -2901,7 +2859,7 @@
           <a:lstStyle/>
           <a:p>
             <a:r>
-              <a:rPr lang="it-IT" smtClean="0"/>
+              <a:rPr lang="it-IT"/>
               <a:t>Fare clic per modificare lo stile del titolo</a:t>
             </a:r>
             <a:endParaRPr lang="en-US" dirty="0"/>
@@ -2926,7 +2884,7 @@
             <a:fld id="{AB6CCB7F-C2E0-40CF-A792-E40DB12DB317}" type="datetime1">
               <a:rPr lang="it-IT" smtClean="0"/>
               <a:pPr/>
-              <a:t>27/11/2017</a:t>
+              <a:t>28/11/2017</a:t>
             </a:fld>
             <a:endParaRPr lang="it-IT"/>
           </a:p>
@@ -2985,13 +2943,6 @@
   <p:clrMapOvr>
     <a:masterClrMapping/>
   </p:clrMapOvr>
-  <p:timing>
-    <p:tnLst>
-      <p:par>
-        <p:cTn id="1" dur="indefinite" restart="never" nodeType="tmRoot"/>
-      </p:par>
-    </p:tnLst>
-  </p:timing>
 </p:sldLayout>
 </file>
 
@@ -3106,7 +3057,7 @@
             <a:fld id="{9FF02910-BDD5-4159-A0F2-090EBAA7031D}" type="datetime1">
               <a:rPr lang="it-IT" smtClean="0"/>
               <a:pPr/>
-              <a:t>27/11/2017</a:t>
+              <a:t>28/11/2017</a:t>
             </a:fld>
             <a:endParaRPr lang="it-IT"/>
           </a:p>
@@ -3209,7 +3160,7 @@
           <a:lstStyle/>
           <a:p>
             <a:r>
-              <a:rPr lang="it-IT" smtClean="0"/>
+              <a:rPr lang="it-IT"/>
               <a:t>Fare clic per modificare lo stile del titolo</a:t>
             </a:r>
             <a:endParaRPr lang="en-US" dirty="0"/>
@@ -3233,35 +3184,35 @@
           <a:p>
             <a:pPr lvl="0"/>
             <a:r>
-              <a:rPr lang="it-IT" smtClean="0"/>
+              <a:rPr lang="it-IT"/>
               <a:t>Fare clic per modificare stili del testo dello schema</a:t>
             </a:r>
           </a:p>
           <a:p>
             <a:pPr lvl="1"/>
             <a:r>
-              <a:rPr lang="it-IT" smtClean="0"/>
+              <a:rPr lang="it-IT"/>
               <a:t>Secondo livello</a:t>
             </a:r>
           </a:p>
           <a:p>
             <a:pPr lvl="2"/>
             <a:r>
-              <a:rPr lang="it-IT" smtClean="0"/>
+              <a:rPr lang="it-IT"/>
               <a:t>Terzo livello</a:t>
             </a:r>
           </a:p>
           <a:p>
             <a:pPr lvl="3"/>
             <a:r>
-              <a:rPr lang="it-IT" smtClean="0"/>
+              <a:rPr lang="it-IT"/>
               <a:t>Quarto livello</a:t>
             </a:r>
           </a:p>
           <a:p>
             <a:pPr lvl="4"/>
             <a:r>
-              <a:rPr lang="it-IT" smtClean="0"/>
+              <a:rPr lang="it-IT"/>
               <a:t>Quinto livello</a:t>
             </a:r>
             <a:endParaRPr lang="en-US" dirty="0"/>
@@ -3285,7 +3236,7 @@
           <a:p>
             <a:fld id="{74D33935-DC04-4017-ABFF-46F4C131478B}" type="datetimeFigureOut">
               <a:rPr lang="en-GB" smtClean="0"/>
-              <a:t>27/11/2017</a:t>
+              <a:t>28/11/2017</a:t>
             </a:fld>
             <a:endParaRPr lang="en-GB"/>
           </a:p>
@@ -3470,7 +3421,7 @@
           </a:lstStyle>
           <a:p>
             <a:r>
-              <a:rPr lang="it-IT" smtClean="0"/>
+              <a:rPr lang="it-IT"/>
               <a:t>Fare clic per modificare lo stile del titolo</a:t>
             </a:r>
             <a:endParaRPr lang="en-US" dirty="0"/>
@@ -3499,35 +3450,35 @@
           <a:p>
             <a:pPr lvl="0"/>
             <a:r>
-              <a:rPr lang="it-IT" smtClean="0"/>
+              <a:rPr lang="it-IT"/>
               <a:t>Fare clic per modificare stili del testo dello schema</a:t>
             </a:r>
           </a:p>
           <a:p>
             <a:pPr lvl="1"/>
             <a:r>
-              <a:rPr lang="it-IT" smtClean="0"/>
+              <a:rPr lang="it-IT"/>
               <a:t>Secondo livello</a:t>
             </a:r>
           </a:p>
           <a:p>
             <a:pPr lvl="2"/>
             <a:r>
-              <a:rPr lang="it-IT" smtClean="0"/>
+              <a:rPr lang="it-IT"/>
               <a:t>Terzo livello</a:t>
             </a:r>
           </a:p>
           <a:p>
             <a:pPr lvl="3"/>
             <a:r>
-              <a:rPr lang="it-IT" smtClean="0"/>
+              <a:rPr lang="it-IT"/>
               <a:t>Quarto livello</a:t>
             </a:r>
           </a:p>
           <a:p>
             <a:pPr lvl="4"/>
             <a:r>
-              <a:rPr lang="it-IT" smtClean="0"/>
+              <a:rPr lang="it-IT"/>
               <a:t>Quinto livello</a:t>
             </a:r>
             <a:endParaRPr lang="en-US" dirty="0"/>
@@ -3599,7 +3550,7 @@
           <a:p>
             <a:pPr lvl="0"/>
             <a:r>
-              <a:rPr lang="it-IT" smtClean="0"/>
+              <a:rPr lang="it-IT"/>
               <a:t>Fare clic per modificare stili del testo dello schema</a:t>
             </a:r>
           </a:p>
@@ -3632,7 +3583,7 @@
             <a:fld id="{9189832A-28F4-442B-AC77-C9BD231C58B3}" type="datetime1">
               <a:rPr lang="it-IT" smtClean="0"/>
               <a:pPr/>
-              <a:t>27/11/2017</a:t>
+              <a:t>28/11/2017</a:t>
             </a:fld>
             <a:endParaRPr lang="it-IT"/>
           </a:p>
@@ -3839,7 +3790,7 @@
           </a:lstStyle>
           <a:p>
             <a:r>
-              <a:rPr lang="it-IT" smtClean="0"/>
+              <a:rPr lang="it-IT"/>
               <a:t>Fare clic per modificare lo stile del titolo</a:t>
             </a:r>
             <a:endParaRPr lang="en-US" dirty="0"/>
@@ -3914,7 +3865,7 @@
           </a:lstStyle>
           <a:p>
             <a:r>
-              <a:rPr lang="it-IT" smtClean="0"/>
+              <a:rPr lang="it-IT"/>
               <a:t>Fare clic sull'icona per inserire un'immagine</a:t>
             </a:r>
             <a:endParaRPr lang="en-US"/>
@@ -3992,7 +3943,7 @@
           <a:p>
             <a:pPr lvl="0"/>
             <a:r>
-              <a:rPr lang="it-IT" smtClean="0"/>
+              <a:rPr lang="it-IT"/>
               <a:t>Fare clic per modificare stili del testo dello schema</a:t>
             </a:r>
           </a:p>
@@ -4016,7 +3967,7 @@
             <a:fld id="{C9687EDC-E1EF-477C-9131-0EB83AD68B4D}" type="datetime1">
               <a:rPr lang="it-IT" smtClean="0"/>
               <a:pPr/>
-              <a:t>27/11/2017</a:t>
+              <a:t>28/11/2017</a:t>
             </a:fld>
             <a:endParaRPr lang="it-IT"/>
           </a:p>
@@ -4111,7 +4062,7 @@
           <a:lstStyle/>
           <a:p>
             <a:r>
-              <a:rPr lang="it-IT" smtClean="0"/>
+              <a:rPr lang="it-IT"/>
               <a:t>Fare clic per modificare lo stile del titolo</a:t>
             </a:r>
             <a:endParaRPr lang="en-US" dirty="0"/>
@@ -4135,35 +4086,35 @@
           <a:p>
             <a:pPr lvl="0"/>
             <a:r>
-              <a:rPr lang="it-IT" smtClean="0"/>
+              <a:rPr lang="it-IT"/>
               <a:t>Fare clic per modificare stili del testo dello schema</a:t>
             </a:r>
           </a:p>
           <a:p>
             <a:pPr lvl="1"/>
             <a:r>
-              <a:rPr lang="it-IT" smtClean="0"/>
+              <a:rPr lang="it-IT"/>
               <a:t>Secondo livello</a:t>
             </a:r>
           </a:p>
           <a:p>
             <a:pPr lvl="2"/>
             <a:r>
-              <a:rPr lang="it-IT" smtClean="0"/>
+              <a:rPr lang="it-IT"/>
               <a:t>Terzo livello</a:t>
             </a:r>
           </a:p>
           <a:p>
             <a:pPr lvl="3"/>
             <a:r>
-              <a:rPr lang="it-IT" smtClean="0"/>
+              <a:rPr lang="it-IT"/>
               <a:t>Quarto livello</a:t>
             </a:r>
           </a:p>
           <a:p>
             <a:pPr lvl="4"/>
             <a:r>
-              <a:rPr lang="it-IT" smtClean="0"/>
+              <a:rPr lang="it-IT"/>
               <a:t>Quinto livello</a:t>
             </a:r>
             <a:endParaRPr lang="en-US" dirty="0"/>
@@ -4188,7 +4139,7 @@
             <a:fld id="{506DD563-1CA9-4C92-8788-3AEA719E5784}" type="datetime1">
               <a:rPr lang="it-IT" smtClean="0"/>
               <a:pPr/>
-              <a:t>27/11/2017</a:t>
+              <a:t>28/11/2017</a:t>
             </a:fld>
             <a:endParaRPr lang="it-IT"/>
           </a:p>
@@ -4364,7 +4315,7 @@
           <a:lstStyle/>
           <a:p>
             <a:r>
-              <a:rPr lang="it-IT" smtClean="0"/>
+              <a:rPr lang="it-IT"/>
               <a:t>Fare clic per modificare lo stile del titolo</a:t>
             </a:r>
             <a:endParaRPr lang="en-US" dirty="0"/>
@@ -4393,35 +4344,35 @@
           <a:p>
             <a:pPr lvl="0"/>
             <a:r>
-              <a:rPr lang="it-IT" smtClean="0"/>
+              <a:rPr lang="it-IT"/>
               <a:t>Fare clic per modificare stili del testo dello schema</a:t>
             </a:r>
           </a:p>
           <a:p>
             <a:pPr lvl="1"/>
             <a:r>
-              <a:rPr lang="it-IT" smtClean="0"/>
+              <a:rPr lang="it-IT"/>
               <a:t>Secondo livello</a:t>
             </a:r>
           </a:p>
           <a:p>
             <a:pPr lvl="2"/>
             <a:r>
-              <a:rPr lang="it-IT" smtClean="0"/>
+              <a:rPr lang="it-IT"/>
               <a:t>Terzo livello</a:t>
             </a:r>
           </a:p>
           <a:p>
             <a:pPr lvl="3"/>
             <a:r>
-              <a:rPr lang="it-IT" smtClean="0"/>
+              <a:rPr lang="it-IT"/>
               <a:t>Quarto livello</a:t>
             </a:r>
           </a:p>
           <a:p>
             <a:pPr lvl="4"/>
             <a:r>
-              <a:rPr lang="it-IT" smtClean="0"/>
+              <a:rPr lang="it-IT"/>
               <a:t>Quinto livello</a:t>
             </a:r>
             <a:endParaRPr lang="en-US" dirty="0"/>
@@ -4446,7 +4397,7 @@
             <a:fld id="{5D28B4BE-EFC6-4DDA-8F05-D07E7FADDB5D}" type="datetime1">
               <a:rPr lang="it-IT" smtClean="0"/>
               <a:pPr/>
-              <a:t>27/11/2017</a:t>
+              <a:t>28/11/2017</a:t>
             </a:fld>
             <a:endParaRPr lang="it-IT"/>
           </a:p>
@@ -4552,7 +4503,7 @@
           </a:lstStyle>
           <a:p>
             <a:r>
-              <a:rPr lang="it-IT" smtClean="0"/>
+              <a:rPr lang="it-IT"/>
               <a:t>Fare clic per modificare lo stile del titolo</a:t>
             </a:r>
             <a:endParaRPr lang="en-US" dirty="0"/>
@@ -4626,7 +4577,7 @@
           </a:lstStyle>
           <a:p>
             <a:r>
-              <a:rPr lang="it-IT" smtClean="0"/>
+              <a:rPr lang="it-IT"/>
               <a:t>Fare clic per modificare lo stile del sottotitolo dello schema</a:t>
             </a:r>
             <a:endParaRPr lang="en-US" dirty="0"/>
@@ -4651,7 +4602,7 @@
             <a:fld id="{80459A53-B729-4631-9578-6E34EFFC3466}" type="datetime1">
               <a:rPr lang="it-IT" smtClean="0"/>
               <a:pPr/>
-              <a:t>27/11/2017</a:t>
+              <a:t>28/11/2017</a:t>
             </a:fld>
             <a:endParaRPr lang="it-IT"/>
           </a:p>
@@ -4746,7 +4697,7 @@
           <a:lstStyle/>
           <a:p>
             <a:r>
-              <a:rPr lang="it-IT" smtClean="0"/>
+              <a:rPr lang="it-IT"/>
               <a:t>Fare clic per modificare lo stile del titolo</a:t>
             </a:r>
             <a:endParaRPr lang="en-US" dirty="0"/>
@@ -4770,35 +4721,35 @@
           <a:p>
             <a:pPr lvl="0"/>
             <a:r>
-              <a:rPr lang="it-IT" smtClean="0"/>
+              <a:rPr lang="it-IT"/>
               <a:t>Fare clic per modificare stili del testo dello schema</a:t>
             </a:r>
           </a:p>
           <a:p>
             <a:pPr lvl="1"/>
             <a:r>
-              <a:rPr lang="it-IT" smtClean="0"/>
+              <a:rPr lang="it-IT"/>
               <a:t>Secondo livello</a:t>
             </a:r>
           </a:p>
           <a:p>
             <a:pPr lvl="2"/>
             <a:r>
-              <a:rPr lang="it-IT" smtClean="0"/>
+              <a:rPr lang="it-IT"/>
               <a:t>Terzo livello</a:t>
             </a:r>
           </a:p>
           <a:p>
             <a:pPr lvl="3"/>
             <a:r>
-              <a:rPr lang="it-IT" smtClean="0"/>
+              <a:rPr lang="it-IT"/>
               <a:t>Quarto livello</a:t>
             </a:r>
           </a:p>
           <a:p>
             <a:pPr lvl="4"/>
             <a:r>
-              <a:rPr lang="it-IT" smtClean="0"/>
+              <a:rPr lang="it-IT"/>
               <a:t>Quinto livello</a:t>
             </a:r>
             <a:endParaRPr lang="en-US" dirty="0"/>
@@ -4823,7 +4774,7 @@
             <a:fld id="{FCE63AC6-737D-48A7-8280-F606E77FDD59}" type="datetime1">
               <a:rPr lang="it-IT" smtClean="0"/>
               <a:pPr/>
-              <a:t>27/11/2017</a:t>
+              <a:t>28/11/2017</a:t>
             </a:fld>
             <a:endParaRPr lang="it-IT"/>
           </a:p>
@@ -4929,7 +4880,7 @@
           </a:lstStyle>
           <a:p>
             <a:r>
-              <a:rPr lang="it-IT" smtClean="0"/>
+              <a:rPr lang="it-IT"/>
               <a:t>Fare clic per modificare lo stile del titolo</a:t>
             </a:r>
             <a:endParaRPr lang="en-US" dirty="0"/>
@@ -5052,7 +5003,7 @@
           <a:p>
             <a:pPr lvl="0"/>
             <a:r>
-              <a:rPr lang="it-IT" smtClean="0"/>
+              <a:rPr lang="it-IT"/>
               <a:t>Fare clic per modificare stili del testo dello schema</a:t>
             </a:r>
           </a:p>
@@ -5076,7 +5027,7 @@
             <a:fld id="{46381BD7-5024-43E3-BA86-D305B69515D9}" type="datetime1">
               <a:rPr lang="it-IT" smtClean="0"/>
               <a:pPr/>
-              <a:t>27/11/2017</a:t>
+              <a:t>28/11/2017</a:t>
             </a:fld>
             <a:endParaRPr lang="it-IT"/>
           </a:p>
@@ -5171,7 +5122,7 @@
           <a:lstStyle/>
           <a:p>
             <a:r>
-              <a:rPr lang="it-IT" smtClean="0"/>
+              <a:rPr lang="it-IT"/>
               <a:t>Fare clic per modificare lo stile del titolo</a:t>
             </a:r>
             <a:endParaRPr lang="en-US" dirty="0"/>
@@ -5200,35 +5151,35 @@
           <a:p>
             <a:pPr lvl="0"/>
             <a:r>
-              <a:rPr lang="it-IT" smtClean="0"/>
+              <a:rPr lang="it-IT"/>
               <a:t>Fare clic per modificare stili del testo dello schema</a:t>
             </a:r>
           </a:p>
           <a:p>
             <a:pPr lvl="1"/>
             <a:r>
-              <a:rPr lang="it-IT" smtClean="0"/>
+              <a:rPr lang="it-IT"/>
               <a:t>Secondo livello</a:t>
             </a:r>
           </a:p>
           <a:p>
             <a:pPr lvl="2"/>
             <a:r>
-              <a:rPr lang="it-IT" smtClean="0"/>
+              <a:rPr lang="it-IT"/>
               <a:t>Terzo livello</a:t>
             </a:r>
           </a:p>
           <a:p>
             <a:pPr lvl="3"/>
             <a:r>
-              <a:rPr lang="it-IT" smtClean="0"/>
+              <a:rPr lang="it-IT"/>
               <a:t>Quarto livello</a:t>
             </a:r>
           </a:p>
           <a:p>
             <a:pPr lvl="4"/>
             <a:r>
-              <a:rPr lang="it-IT" smtClean="0"/>
+              <a:rPr lang="it-IT"/>
               <a:t>Quinto livello</a:t>
             </a:r>
             <a:endParaRPr lang="en-US" dirty="0"/>
@@ -5257,35 +5208,35 @@
           <a:p>
             <a:pPr lvl="0"/>
             <a:r>
-              <a:rPr lang="it-IT" smtClean="0"/>
+              <a:rPr lang="it-IT"/>
               <a:t>Fare clic per modificare stili del testo dello schema</a:t>
             </a:r>
           </a:p>
           <a:p>
             <a:pPr lvl="1"/>
             <a:r>
-              <a:rPr lang="it-IT" smtClean="0"/>
+              <a:rPr lang="it-IT"/>
               <a:t>Secondo livello</a:t>
             </a:r>
           </a:p>
           <a:p>
             <a:pPr lvl="2"/>
             <a:r>
-              <a:rPr lang="it-IT" smtClean="0"/>
+              <a:rPr lang="it-IT"/>
               <a:t>Terzo livello</a:t>
             </a:r>
           </a:p>
           <a:p>
             <a:pPr lvl="3"/>
             <a:r>
-              <a:rPr lang="it-IT" smtClean="0"/>
+              <a:rPr lang="it-IT"/>
               <a:t>Quarto livello</a:t>
             </a:r>
           </a:p>
           <a:p>
             <a:pPr lvl="4"/>
             <a:r>
-              <a:rPr lang="it-IT" smtClean="0"/>
+              <a:rPr lang="it-IT"/>
               <a:t>Quinto livello</a:t>
             </a:r>
             <a:endParaRPr lang="en-US" dirty="0"/>
@@ -5310,7 +5261,7 @@
             <a:fld id="{B7E4C089-161D-45F9-BA3B-DF005531779B}" type="datetime1">
               <a:rPr lang="it-IT" smtClean="0"/>
               <a:pPr/>
-              <a:t>27/11/2017</a:t>
+              <a:t>28/11/2017</a:t>
             </a:fld>
             <a:endParaRPr lang="it-IT"/>
           </a:p>
@@ -5453,7 +5404,7 @@
           <a:p>
             <a:pPr lvl="0"/>
             <a:r>
-              <a:rPr lang="it-IT" smtClean="0"/>
+              <a:rPr lang="it-IT"/>
               <a:t>Fare clic per modificare stili del testo dello schema</a:t>
             </a:r>
           </a:p>
@@ -5481,35 +5432,35 @@
           <a:p>
             <a:pPr lvl="0"/>
             <a:r>
-              <a:rPr lang="it-IT" smtClean="0"/>
+              <a:rPr lang="it-IT"/>
               <a:t>Fare clic per modificare stili del testo dello schema</a:t>
             </a:r>
           </a:p>
           <a:p>
             <a:pPr lvl="1"/>
             <a:r>
-              <a:rPr lang="it-IT" smtClean="0"/>
+              <a:rPr lang="it-IT"/>
               <a:t>Secondo livello</a:t>
             </a:r>
           </a:p>
           <a:p>
             <a:pPr lvl="2"/>
             <a:r>
-              <a:rPr lang="it-IT" smtClean="0"/>
+              <a:rPr lang="it-IT"/>
               <a:t>Terzo livello</a:t>
             </a:r>
           </a:p>
           <a:p>
             <a:pPr lvl="3"/>
             <a:r>
-              <a:rPr lang="it-IT" smtClean="0"/>
+              <a:rPr lang="it-IT"/>
               <a:t>Quarto livello</a:t>
             </a:r>
           </a:p>
           <a:p>
             <a:pPr lvl="4"/>
             <a:r>
-              <a:rPr lang="it-IT" smtClean="0"/>
+              <a:rPr lang="it-IT"/>
               <a:t>Quinto livello</a:t>
             </a:r>
             <a:endParaRPr lang="en-US" dirty="0"/>
@@ -5578,7 +5529,7 @@
           <a:p>
             <a:pPr lvl="0"/>
             <a:r>
-              <a:rPr lang="it-IT" smtClean="0"/>
+              <a:rPr lang="it-IT"/>
               <a:t>Fare clic per modificare stili del testo dello schema</a:t>
             </a:r>
           </a:p>
@@ -5606,35 +5557,35 @@
           <a:p>
             <a:pPr lvl="0"/>
             <a:r>
-              <a:rPr lang="it-IT" smtClean="0"/>
+              <a:rPr lang="it-IT"/>
               <a:t>Fare clic per modificare stili del testo dello schema</a:t>
             </a:r>
           </a:p>
           <a:p>
             <a:pPr lvl="1"/>
             <a:r>
-              <a:rPr lang="it-IT" smtClean="0"/>
+              <a:rPr lang="it-IT"/>
               <a:t>Secondo livello</a:t>
             </a:r>
           </a:p>
           <a:p>
             <a:pPr lvl="2"/>
             <a:r>
-              <a:rPr lang="it-IT" smtClean="0"/>
+              <a:rPr lang="it-IT"/>
               <a:t>Terzo livello</a:t>
             </a:r>
           </a:p>
           <a:p>
             <a:pPr lvl="3"/>
             <a:r>
-              <a:rPr lang="it-IT" smtClean="0"/>
+              <a:rPr lang="it-IT"/>
               <a:t>Quarto livello</a:t>
             </a:r>
           </a:p>
           <a:p>
             <a:pPr lvl="4"/>
             <a:r>
-              <a:rPr lang="it-IT" smtClean="0"/>
+              <a:rPr lang="it-IT"/>
               <a:t>Quinto livello</a:t>
             </a:r>
             <a:endParaRPr lang="en-US"/>
@@ -5659,7 +5610,7 @@
             <a:fld id="{3683A939-33A9-471E-AF12-946DC792434E}" type="datetime1">
               <a:rPr lang="it-IT" smtClean="0"/>
               <a:pPr/>
-              <a:t>27/11/2017</a:t>
+              <a:t>28/11/2017</a:t>
             </a:fld>
             <a:endParaRPr lang="it-IT"/>
           </a:p>
@@ -5724,7 +5675,7 @@
           <a:lstStyle/>
           <a:p>
             <a:r>
-              <a:rPr lang="it-IT" smtClean="0"/>
+              <a:rPr lang="it-IT"/>
               <a:t>Fare clic per modificare lo stile del titolo</a:t>
             </a:r>
             <a:endParaRPr lang="en-US" dirty="0"/>
@@ -5779,7 +5730,7 @@
             <a:fld id="{AB6CCB7F-C2E0-40CF-A792-E40DB12DB317}" type="datetime1">
               <a:rPr lang="it-IT" smtClean="0"/>
               <a:pPr/>
-              <a:t>27/11/2017</a:t>
+              <a:t>28/11/2017</a:t>
             </a:fld>
             <a:endParaRPr lang="it-IT"/>
           </a:p>
@@ -5844,7 +5795,7 @@
           <a:lstStyle/>
           <a:p>
             <a:r>
-              <a:rPr lang="it-IT" smtClean="0"/>
+              <a:rPr lang="it-IT"/>
               <a:t>Fare clic per modificare lo stile del titolo</a:t>
             </a:r>
             <a:endParaRPr lang="en-US"/>
@@ -5908,7 +5859,7 @@
           </a:lstStyle>
           <a:p>
             <a:r>
-              <a:rPr lang="it-IT" smtClean="0"/>
+              <a:rPr lang="it-IT"/>
               <a:t>Fare clic per modificare lo stile del titolo</a:t>
             </a:r>
             <a:endParaRPr lang="en-US" dirty="0"/>
@@ -6031,7 +5982,7 @@
           <a:p>
             <a:pPr lvl="0"/>
             <a:r>
-              <a:rPr lang="it-IT" smtClean="0"/>
+              <a:rPr lang="it-IT"/>
               <a:t>Fare clic per modificare stili del testo dello schema</a:t>
             </a:r>
           </a:p>
@@ -6054,7 +6005,7 @@
           <a:p>
             <a:fld id="{74D33935-DC04-4017-ABFF-46F4C131478B}" type="datetimeFigureOut">
               <a:rPr lang="en-GB" smtClean="0"/>
-              <a:t>27/11/2017</a:t>
+              <a:t>28/11/2017</a:t>
             </a:fld>
             <a:endParaRPr lang="en-GB"/>
           </a:p>
@@ -6150,7 +6101,7 @@
             <a:fld id="{9FF02910-BDD5-4159-A0F2-090EBAA7031D}" type="datetime1">
               <a:rPr lang="it-IT" smtClean="0"/>
               <a:pPr/>
-              <a:t>27/11/2017</a:t>
+              <a:t>28/11/2017</a:t>
             </a:fld>
             <a:endParaRPr lang="it-IT"/>
           </a:p>
@@ -6256,7 +6207,7 @@
           </a:lstStyle>
           <a:p>
             <a:r>
-              <a:rPr lang="it-IT" smtClean="0"/>
+              <a:rPr lang="it-IT"/>
               <a:t>Fare clic per modificare lo stile del titolo</a:t>
             </a:r>
             <a:endParaRPr lang="en-US" dirty="0"/>
@@ -6313,35 +6264,35 @@
           <a:p>
             <a:pPr lvl="0"/>
             <a:r>
-              <a:rPr lang="it-IT" smtClean="0"/>
+              <a:rPr lang="it-IT"/>
               <a:t>Fare clic per modificare stili del testo dello schema</a:t>
             </a:r>
           </a:p>
           <a:p>
             <a:pPr lvl="1"/>
             <a:r>
-              <a:rPr lang="it-IT" smtClean="0"/>
+              <a:rPr lang="it-IT"/>
               <a:t>Secondo livello</a:t>
             </a:r>
           </a:p>
           <a:p>
             <a:pPr lvl="2"/>
             <a:r>
-              <a:rPr lang="it-IT" smtClean="0"/>
+              <a:rPr lang="it-IT"/>
               <a:t>Terzo livello</a:t>
             </a:r>
           </a:p>
           <a:p>
             <a:pPr lvl="3"/>
             <a:r>
-              <a:rPr lang="it-IT" smtClean="0"/>
+              <a:rPr lang="it-IT"/>
               <a:t>Quarto livello</a:t>
             </a:r>
           </a:p>
           <a:p>
             <a:pPr lvl="4"/>
             <a:r>
-              <a:rPr lang="it-IT" smtClean="0"/>
+              <a:rPr lang="it-IT"/>
               <a:t>Quinto livello</a:t>
             </a:r>
             <a:endParaRPr lang="en-US" dirty="0"/>
@@ -6412,7 +6363,7 @@
           <a:p>
             <a:pPr lvl="0"/>
             <a:r>
-              <a:rPr lang="it-IT" smtClean="0"/>
+              <a:rPr lang="it-IT"/>
               <a:t>Fare clic per modificare stili del testo dello schema</a:t>
             </a:r>
           </a:p>
@@ -6436,7 +6387,7 @@
             <a:fld id="{9189832A-28F4-442B-AC77-C9BD231C58B3}" type="datetime1">
               <a:rPr lang="it-IT" smtClean="0"/>
               <a:pPr/>
-              <a:t>27/11/2017</a:t>
+              <a:t>28/11/2017</a:t>
             </a:fld>
             <a:endParaRPr lang="it-IT"/>
           </a:p>
@@ -6542,7 +6493,7 @@
           </a:lstStyle>
           <a:p>
             <a:r>
-              <a:rPr lang="it-IT" smtClean="0"/>
+              <a:rPr lang="it-IT"/>
               <a:t>Fare clic per modificare lo stile del titolo</a:t>
             </a:r>
             <a:endParaRPr lang="en-US" dirty="0"/>
@@ -6607,7 +6558,7 @@
           </a:lstStyle>
           <a:p>
             <a:r>
-              <a:rPr lang="it-IT" smtClean="0"/>
+              <a:rPr lang="it-IT"/>
               <a:t>Fare clic sull'icona per inserire un'immagine</a:t>
             </a:r>
             <a:endParaRPr lang="en-US"/>
@@ -6678,7 +6629,7 @@
           <a:p>
             <a:pPr lvl="0"/>
             <a:r>
-              <a:rPr lang="it-IT" smtClean="0"/>
+              <a:rPr lang="it-IT"/>
               <a:t>Fare clic per modificare stili del testo dello schema</a:t>
             </a:r>
           </a:p>
@@ -6702,7 +6653,7 @@
             <a:fld id="{C9687EDC-E1EF-477C-9131-0EB83AD68B4D}" type="datetime1">
               <a:rPr lang="it-IT" smtClean="0"/>
               <a:pPr/>
-              <a:t>27/11/2017</a:t>
+              <a:t>28/11/2017</a:t>
             </a:fld>
             <a:endParaRPr lang="it-IT"/>
           </a:p>
@@ -6797,7 +6748,7 @@
           <a:lstStyle/>
           <a:p>
             <a:r>
-              <a:rPr lang="it-IT" smtClean="0"/>
+              <a:rPr lang="it-IT"/>
               <a:t>Fare clic per modificare lo stile del titolo</a:t>
             </a:r>
             <a:endParaRPr lang="en-US"/>
@@ -6821,35 +6772,35 @@
           <a:p>
             <a:pPr lvl="0"/>
             <a:r>
-              <a:rPr lang="it-IT" smtClean="0"/>
+              <a:rPr lang="it-IT"/>
               <a:t>Fare clic per modificare stili del testo dello schema</a:t>
             </a:r>
           </a:p>
           <a:p>
             <a:pPr lvl="1"/>
             <a:r>
-              <a:rPr lang="it-IT" smtClean="0"/>
+              <a:rPr lang="it-IT"/>
               <a:t>Secondo livello</a:t>
             </a:r>
           </a:p>
           <a:p>
             <a:pPr lvl="2"/>
             <a:r>
-              <a:rPr lang="it-IT" smtClean="0"/>
+              <a:rPr lang="it-IT"/>
               <a:t>Terzo livello</a:t>
             </a:r>
           </a:p>
           <a:p>
             <a:pPr lvl="3"/>
             <a:r>
-              <a:rPr lang="it-IT" smtClean="0"/>
+              <a:rPr lang="it-IT"/>
               <a:t>Quarto livello</a:t>
             </a:r>
           </a:p>
           <a:p>
             <a:pPr lvl="4"/>
             <a:r>
-              <a:rPr lang="it-IT" smtClean="0"/>
+              <a:rPr lang="it-IT"/>
               <a:t>Quinto livello</a:t>
             </a:r>
             <a:endParaRPr lang="en-US" dirty="0"/>
@@ -6874,7 +6825,7 @@
             <a:fld id="{506DD563-1CA9-4C92-8788-3AEA719E5784}" type="datetime1">
               <a:rPr lang="it-IT" smtClean="0"/>
               <a:pPr/>
-              <a:t>27/11/2017</a:t>
+              <a:t>28/11/2017</a:t>
             </a:fld>
             <a:endParaRPr lang="it-IT"/>
           </a:p>
@@ -6974,7 +6925,7 @@
           <a:lstStyle/>
           <a:p>
             <a:r>
-              <a:rPr lang="it-IT" smtClean="0"/>
+              <a:rPr lang="it-IT"/>
               <a:t>Fare clic per modificare lo stile del titolo</a:t>
             </a:r>
             <a:endParaRPr lang="en-US"/>
@@ -7003,35 +6954,35 @@
           <a:p>
             <a:pPr lvl="0"/>
             <a:r>
-              <a:rPr lang="it-IT" smtClean="0"/>
+              <a:rPr lang="it-IT"/>
               <a:t>Fare clic per modificare stili del testo dello schema</a:t>
             </a:r>
           </a:p>
           <a:p>
             <a:pPr lvl="1"/>
             <a:r>
-              <a:rPr lang="it-IT" smtClean="0"/>
+              <a:rPr lang="it-IT"/>
               <a:t>Secondo livello</a:t>
             </a:r>
           </a:p>
           <a:p>
             <a:pPr lvl="2"/>
             <a:r>
-              <a:rPr lang="it-IT" smtClean="0"/>
+              <a:rPr lang="it-IT"/>
               <a:t>Terzo livello</a:t>
             </a:r>
           </a:p>
           <a:p>
             <a:pPr lvl="3"/>
             <a:r>
-              <a:rPr lang="it-IT" smtClean="0"/>
+              <a:rPr lang="it-IT"/>
               <a:t>Quarto livello</a:t>
             </a:r>
           </a:p>
           <a:p>
             <a:pPr lvl="4"/>
             <a:r>
-              <a:rPr lang="it-IT" smtClean="0"/>
+              <a:rPr lang="it-IT"/>
               <a:t>Quinto livello</a:t>
             </a:r>
             <a:endParaRPr lang="en-US"/>
@@ -7056,7 +7007,7 @@
             <a:fld id="{5D28B4BE-EFC6-4DDA-8F05-D07E7FADDB5D}" type="datetime1">
               <a:rPr lang="it-IT" smtClean="0"/>
               <a:pPr/>
-              <a:t>27/11/2017</a:t>
+              <a:t>28/11/2017</a:t>
             </a:fld>
             <a:endParaRPr lang="it-IT"/>
           </a:p>
@@ -7151,10 +7102,9 @@
           <a:lstStyle/>
           <a:p>
             <a:r>
-              <a:rPr lang="it-IT" smtClean="0"/>
+              <a:rPr lang="it-IT"/>
               <a:t>Fare clic per modificare lo stile del titolo</a:t>
             </a:r>
-            <a:endParaRPr lang="it-IT"/>
           </a:p>
         </p:txBody>
       </p:sp>
@@ -7175,38 +7125,37 @@
           <a:p>
             <a:pPr lvl="0"/>
             <a:r>
-              <a:rPr lang="it-IT" smtClean="0"/>
+              <a:rPr lang="it-IT"/>
               <a:t>Fare clic per modificare stili del testo dello schema</a:t>
             </a:r>
           </a:p>
           <a:p>
             <a:pPr lvl="1"/>
             <a:r>
-              <a:rPr lang="it-IT" smtClean="0"/>
+              <a:rPr lang="it-IT"/>
               <a:t>Secondo livello</a:t>
             </a:r>
           </a:p>
           <a:p>
             <a:pPr lvl="2"/>
             <a:r>
-              <a:rPr lang="it-IT" smtClean="0"/>
+              <a:rPr lang="it-IT"/>
               <a:t>Terzo livello</a:t>
             </a:r>
           </a:p>
           <a:p>
             <a:pPr lvl="3"/>
             <a:r>
-              <a:rPr lang="it-IT" smtClean="0"/>
+              <a:rPr lang="it-IT"/>
               <a:t>Quarto livello</a:t>
             </a:r>
           </a:p>
           <a:p>
             <a:pPr lvl="4"/>
             <a:r>
-              <a:rPr lang="it-IT" smtClean="0"/>
+              <a:rPr lang="it-IT"/>
               <a:t>Quinto livello</a:t>
             </a:r>
-            <a:endParaRPr lang="it-IT"/>
           </a:p>
         </p:txBody>
       </p:sp>
@@ -7228,7 +7177,7 @@
             <a:fld id="{BBAA8976-DA0A-4A91-96D1-D23211FE915E}" type="datetime1">
               <a:rPr lang="it-IT" smtClean="0"/>
               <a:pPr/>
-              <a:t>27/11/2017</a:t>
+              <a:t>28/11/2017</a:t>
             </a:fld>
             <a:endParaRPr lang="it-IT"/>
           </a:p>
@@ -7287,13 +7236,6 @@
   <p:clrMapOvr>
     <a:masterClrMapping/>
   </p:clrMapOvr>
-  <p:timing>
-    <p:tnLst>
-      <p:par>
-        <p:cTn id="1" dur="indefinite" restart="never" nodeType="tmRoot"/>
-      </p:par>
-    </p:tnLst>
-  </p:timing>
   <p:hf hdr="0" ftr="0" dt="0"/>
 </p:sldLayout>
 </file>
@@ -7428,7 +7370,7 @@
           </a:lstStyle>
           <a:p>
             <a:r>
-              <a:rPr lang="it-IT" smtClean="0"/>
+              <a:rPr lang="it-IT"/>
               <a:t>Fare clic per modificare lo stile del titolo</a:t>
             </a:r>
             <a:endParaRPr lang="en-US" dirty="0"/>
@@ -7500,7 +7442,7 @@
           </a:lstStyle>
           <a:p>
             <a:r>
-              <a:rPr lang="it-IT" smtClean="0"/>
+              <a:rPr lang="it-IT"/>
               <a:t>Fare clic per modificare lo stile del sottotitolo dello schema</a:t>
             </a:r>
             <a:endParaRPr lang="en-US" dirty="0"/>
@@ -7525,7 +7467,7 @@
             <a:fld id="{80459A53-B729-4631-9578-6E34EFFC3466}" type="datetime1">
               <a:rPr lang="it-IT" smtClean="0"/>
               <a:pPr/>
-              <a:t>27/11/2017</a:t>
+              <a:t>28/11/2017</a:t>
             </a:fld>
             <a:endParaRPr lang="it-IT"/>
           </a:p>
@@ -7622,13 +7564,6 @@
   <p:clrMapOvr>
     <a:masterClrMapping/>
   </p:clrMapOvr>
-  <p:timing>
-    <p:tnLst>
-      <p:par>
-        <p:cTn id="1" dur="indefinite" restart="never" nodeType="tmRoot"/>
-      </p:par>
-    </p:tnLst>
-  </p:timing>
 </p:sldLayout>
 </file>
 
@@ -7669,7 +7604,7 @@
           </a:lstStyle>
           <a:p>
             <a:r>
-              <a:rPr lang="it-IT" smtClean="0"/>
+              <a:rPr lang="it-IT"/>
               <a:t>Fare clic per modificare lo stile del titolo</a:t>
             </a:r>
             <a:endParaRPr lang="en-US" dirty="0"/>
@@ -7706,35 +7641,35 @@
           <a:p>
             <a:pPr lvl="0"/>
             <a:r>
-              <a:rPr lang="it-IT" dirty="0" smtClean="0"/>
+              <a:rPr lang="it-IT" dirty="0"/>
               <a:t> Fare clic per modificare stili del testo dello schema</a:t>
             </a:r>
           </a:p>
           <a:p>
             <a:pPr lvl="1"/>
             <a:r>
-              <a:rPr lang="it-IT" dirty="0" smtClean="0"/>
+              <a:rPr lang="it-IT" dirty="0"/>
               <a:t>Secondo livello</a:t>
             </a:r>
           </a:p>
           <a:p>
             <a:pPr lvl="2"/>
             <a:r>
-              <a:rPr lang="it-IT" dirty="0" smtClean="0"/>
+              <a:rPr lang="it-IT" dirty="0"/>
               <a:t>Terzo livello</a:t>
             </a:r>
           </a:p>
           <a:p>
             <a:pPr lvl="3"/>
             <a:r>
-              <a:rPr lang="it-IT" dirty="0" smtClean="0"/>
+              <a:rPr lang="it-IT" dirty="0"/>
               <a:t>Quarto livello</a:t>
             </a:r>
           </a:p>
           <a:p>
             <a:pPr lvl="4"/>
             <a:r>
-              <a:rPr lang="it-IT" dirty="0" smtClean="0"/>
+              <a:rPr lang="it-IT" dirty="0"/>
               <a:t>Quinto livello</a:t>
             </a:r>
             <a:endParaRPr lang="en-US" dirty="0"/>
@@ -7759,7 +7694,7 @@
             <a:fld id="{FCE63AC6-737D-48A7-8280-F606E77FDD59}" type="datetime1">
               <a:rPr lang="it-IT" smtClean="0"/>
               <a:pPr/>
-              <a:t>27/11/2017</a:t>
+              <a:t>28/11/2017</a:t>
             </a:fld>
             <a:endParaRPr lang="it-IT"/>
           </a:p>
@@ -7818,13 +7753,6 @@
   <p:clrMapOvr>
     <a:masterClrMapping/>
   </p:clrMapOvr>
-  <p:timing>
-    <p:tnLst>
-      <p:par>
-        <p:cTn id="1" dur="indefinite" restart="never" nodeType="tmRoot"/>
-      </p:par>
-    </p:tnLst>
-  </p:timing>
 </p:sldLayout>
 </file>
 
@@ -7966,7 +7894,7 @@
           </a:lstStyle>
           <a:p>
             <a:r>
-              <a:rPr lang="it-IT" smtClean="0"/>
+              <a:rPr lang="it-IT"/>
               <a:t>Fare clic per modificare lo stile del titolo</a:t>
             </a:r>
             <a:endParaRPr lang="en-US" dirty="0"/>
@@ -8087,7 +8015,7 @@
           <a:p>
             <a:pPr lvl="0"/>
             <a:r>
-              <a:rPr lang="it-IT" smtClean="0"/>
+              <a:rPr lang="it-IT"/>
               <a:t>Fare clic per modificare stili del testo dello schema</a:t>
             </a:r>
           </a:p>
@@ -8111,7 +8039,7 @@
             <a:fld id="{46381BD7-5024-43E3-BA86-D305B69515D9}" type="datetime1">
               <a:rPr lang="it-IT" smtClean="0"/>
               <a:pPr/>
-              <a:t>27/11/2017</a:t>
+              <a:t>28/11/2017</a:t>
             </a:fld>
             <a:endParaRPr lang="it-IT"/>
           </a:p>
@@ -8208,13 +8136,6 @@
   <p:clrMapOvr>
     <a:masterClrMapping/>
   </p:clrMapOvr>
-  <p:timing>
-    <p:tnLst>
-      <p:par>
-        <p:cTn id="1" dur="indefinite" restart="never" nodeType="tmRoot"/>
-      </p:par>
-    </p:tnLst>
-  </p:timing>
 </p:sldLayout>
 </file>
 
@@ -8256,7 +8177,7 @@
           <a:lstStyle/>
           <a:p>
             <a:r>
-              <a:rPr lang="it-IT" smtClean="0"/>
+              <a:rPr lang="it-IT"/>
               <a:t>Fare clic per modificare lo stile del titolo</a:t>
             </a:r>
             <a:endParaRPr lang="en-US" dirty="0"/>
@@ -8289,35 +8210,35 @@
           <a:p>
             <a:pPr lvl="0"/>
             <a:r>
-              <a:rPr lang="it-IT" dirty="0" smtClean="0"/>
+              <a:rPr lang="it-IT" dirty="0"/>
               <a:t> Fare clic per modificare stili del testo dello schema</a:t>
             </a:r>
           </a:p>
           <a:p>
             <a:pPr lvl="1"/>
             <a:r>
-              <a:rPr lang="it-IT" dirty="0" smtClean="0"/>
+              <a:rPr lang="it-IT" dirty="0"/>
               <a:t>Secondo livello</a:t>
             </a:r>
           </a:p>
           <a:p>
             <a:pPr lvl="2"/>
             <a:r>
-              <a:rPr lang="it-IT" dirty="0" smtClean="0"/>
+              <a:rPr lang="it-IT" dirty="0"/>
               <a:t>Terzo livello</a:t>
             </a:r>
           </a:p>
           <a:p>
             <a:pPr lvl="3"/>
             <a:r>
-              <a:rPr lang="it-IT" dirty="0" smtClean="0"/>
+              <a:rPr lang="it-IT" dirty="0"/>
               <a:t>Quarto livello</a:t>
             </a:r>
           </a:p>
           <a:p>
             <a:pPr lvl="4"/>
             <a:r>
-              <a:rPr lang="it-IT" dirty="0" smtClean="0"/>
+              <a:rPr lang="it-IT" dirty="0"/>
               <a:t>Quinto livello</a:t>
             </a:r>
             <a:endParaRPr lang="en-US" dirty="0"/>
@@ -8350,35 +8271,35 @@
           <a:p>
             <a:pPr lvl="0"/>
             <a:r>
-              <a:rPr lang="it-IT" dirty="0" smtClean="0"/>
+              <a:rPr lang="it-IT" dirty="0"/>
               <a:t> Fare clic per modificare stili del testo dello schema</a:t>
             </a:r>
           </a:p>
           <a:p>
             <a:pPr lvl="1"/>
             <a:r>
-              <a:rPr lang="it-IT" dirty="0" smtClean="0"/>
+              <a:rPr lang="it-IT" dirty="0"/>
               <a:t>Secondo livello</a:t>
             </a:r>
           </a:p>
           <a:p>
             <a:pPr lvl="2"/>
             <a:r>
-              <a:rPr lang="it-IT" dirty="0" smtClean="0"/>
+              <a:rPr lang="it-IT" dirty="0"/>
               <a:t>Terzo livello</a:t>
             </a:r>
           </a:p>
           <a:p>
             <a:pPr lvl="3"/>
             <a:r>
-              <a:rPr lang="it-IT" dirty="0" smtClean="0"/>
+              <a:rPr lang="it-IT" dirty="0"/>
               <a:t>Quarto livello</a:t>
             </a:r>
           </a:p>
           <a:p>
             <a:pPr lvl="4"/>
             <a:r>
-              <a:rPr lang="it-IT" dirty="0" smtClean="0"/>
+              <a:rPr lang="it-IT" dirty="0"/>
               <a:t>Quinto livello</a:t>
             </a:r>
             <a:endParaRPr lang="en-US" dirty="0"/>
@@ -8403,7 +8324,7 @@
             <a:fld id="{B7E4C089-161D-45F9-BA3B-DF005531779B}" type="datetime1">
               <a:rPr lang="it-IT" smtClean="0"/>
               <a:pPr/>
-              <a:t>27/11/2017</a:t>
+              <a:t>28/11/2017</a:t>
             </a:fld>
             <a:endParaRPr lang="it-IT"/>
           </a:p>
@@ -8462,13 +8383,6 @@
   <p:clrMapOvr>
     <a:masterClrMapping/>
   </p:clrMapOvr>
-  <p:timing>
-    <p:tnLst>
-      <p:par>
-        <p:cTn id="1" dur="indefinite" restart="never" nodeType="tmRoot"/>
-      </p:par>
-    </p:tnLst>
-  </p:timing>
 </p:sldLayout>
 </file>
 
@@ -8505,7 +8419,7 @@
           <a:lstStyle/>
           <a:p>
             <a:r>
-              <a:rPr lang="it-IT" smtClean="0"/>
+              <a:rPr lang="it-IT"/>
               <a:t>Fare clic per modificare lo stile del titolo</a:t>
             </a:r>
             <a:endParaRPr lang="en-US" dirty="0"/>
@@ -8534,35 +8448,35 @@
           <a:p>
             <a:pPr lvl="0"/>
             <a:r>
-              <a:rPr lang="it-IT" smtClean="0"/>
+              <a:rPr lang="it-IT"/>
               <a:t>Fare clic per modificare stili del testo dello schema</a:t>
             </a:r>
           </a:p>
           <a:p>
             <a:pPr lvl="1"/>
             <a:r>
-              <a:rPr lang="it-IT" smtClean="0"/>
+              <a:rPr lang="it-IT"/>
               <a:t>Secondo livello</a:t>
             </a:r>
           </a:p>
           <a:p>
             <a:pPr lvl="2"/>
             <a:r>
-              <a:rPr lang="it-IT" smtClean="0"/>
+              <a:rPr lang="it-IT"/>
               <a:t>Terzo livello</a:t>
             </a:r>
           </a:p>
           <a:p>
             <a:pPr lvl="3"/>
             <a:r>
-              <a:rPr lang="it-IT" smtClean="0"/>
+              <a:rPr lang="it-IT"/>
               <a:t>Quarto livello</a:t>
             </a:r>
           </a:p>
           <a:p>
             <a:pPr lvl="4"/>
             <a:r>
-              <a:rPr lang="it-IT" smtClean="0"/>
+              <a:rPr lang="it-IT"/>
               <a:t>Quinto livello</a:t>
             </a:r>
             <a:endParaRPr lang="en-US" dirty="0"/>
@@ -8591,35 +8505,35 @@
           <a:p>
             <a:pPr lvl="0"/>
             <a:r>
-              <a:rPr lang="it-IT" smtClean="0"/>
+              <a:rPr lang="it-IT"/>
               <a:t>Fare clic per modificare stili del testo dello schema</a:t>
             </a:r>
           </a:p>
           <a:p>
             <a:pPr lvl="1"/>
             <a:r>
-              <a:rPr lang="it-IT" smtClean="0"/>
+              <a:rPr lang="it-IT"/>
               <a:t>Secondo livello</a:t>
             </a:r>
           </a:p>
           <a:p>
             <a:pPr lvl="2"/>
             <a:r>
-              <a:rPr lang="it-IT" smtClean="0"/>
+              <a:rPr lang="it-IT"/>
               <a:t>Terzo livello</a:t>
             </a:r>
           </a:p>
           <a:p>
             <a:pPr lvl="3"/>
             <a:r>
-              <a:rPr lang="it-IT" smtClean="0"/>
+              <a:rPr lang="it-IT"/>
               <a:t>Quarto livello</a:t>
             </a:r>
           </a:p>
           <a:p>
             <a:pPr lvl="4"/>
             <a:r>
-              <a:rPr lang="it-IT" smtClean="0"/>
+              <a:rPr lang="it-IT"/>
               <a:t>Quinto livello</a:t>
             </a:r>
             <a:endParaRPr lang="en-US" dirty="0"/>
@@ -8643,7 +8557,7 @@
           <a:p>
             <a:fld id="{74D33935-DC04-4017-ABFF-46F4C131478B}" type="datetimeFigureOut">
               <a:rPr lang="en-GB" smtClean="0"/>
-              <a:t>27/11/2017</a:t>
+              <a:t>28/11/2017</a:t>
             </a:fld>
             <a:endParaRPr lang="en-GB"/>
           </a:p>
@@ -8742,7 +8656,7 @@
           <a:lstStyle/>
           <a:p>
             <a:r>
-              <a:rPr lang="it-IT" smtClean="0"/>
+              <a:rPr lang="it-IT"/>
               <a:t>Fare clic per modificare lo stile del titolo</a:t>
             </a:r>
             <a:endParaRPr lang="en-US" dirty="0"/>
@@ -8814,7 +8728,7 @@
           <a:p>
             <a:pPr lvl="0"/>
             <a:r>
-              <a:rPr lang="it-IT" smtClean="0"/>
+              <a:rPr lang="it-IT"/>
               <a:t>Fare clic per modificare stili del testo dello schema</a:t>
             </a:r>
           </a:p>
@@ -8846,35 +8760,35 @@
           <a:p>
             <a:pPr lvl="0"/>
             <a:r>
-              <a:rPr lang="it-IT" dirty="0" smtClean="0"/>
+              <a:rPr lang="it-IT" dirty="0"/>
               <a:t> Fare clic per modificare stili del testo dello schema</a:t>
             </a:r>
           </a:p>
           <a:p>
             <a:pPr lvl="1"/>
             <a:r>
-              <a:rPr lang="it-IT" dirty="0" smtClean="0"/>
+              <a:rPr lang="it-IT" dirty="0"/>
               <a:t>Secondo livello</a:t>
             </a:r>
           </a:p>
           <a:p>
             <a:pPr lvl="2"/>
             <a:r>
-              <a:rPr lang="it-IT" dirty="0" smtClean="0"/>
+              <a:rPr lang="it-IT" dirty="0"/>
               <a:t>Terzo livello</a:t>
             </a:r>
           </a:p>
           <a:p>
             <a:pPr lvl="3"/>
             <a:r>
-              <a:rPr lang="it-IT" dirty="0" smtClean="0"/>
+              <a:rPr lang="it-IT" dirty="0"/>
               <a:t>Quarto livello</a:t>
             </a:r>
           </a:p>
           <a:p>
             <a:pPr lvl="4"/>
             <a:r>
-              <a:rPr lang="it-IT" dirty="0" smtClean="0"/>
+              <a:rPr lang="it-IT" dirty="0"/>
               <a:t>Quinto livello</a:t>
             </a:r>
             <a:endParaRPr lang="en-US" dirty="0"/>
@@ -8946,7 +8860,7 @@
           <a:p>
             <a:pPr lvl="0"/>
             <a:r>
-              <a:rPr lang="it-IT" smtClean="0"/>
+              <a:rPr lang="it-IT"/>
               <a:t>Fare clic per modificare stili del testo dello schema</a:t>
             </a:r>
           </a:p>
@@ -8978,35 +8892,35 @@
           <a:p>
             <a:pPr lvl="0"/>
             <a:r>
-              <a:rPr lang="it-IT" dirty="0" smtClean="0"/>
+              <a:rPr lang="it-IT" dirty="0"/>
               <a:t> Fare clic per modificare stili del testo dello schema</a:t>
             </a:r>
           </a:p>
           <a:p>
             <a:pPr lvl="1"/>
             <a:r>
-              <a:rPr lang="it-IT" dirty="0" smtClean="0"/>
+              <a:rPr lang="it-IT" dirty="0"/>
               <a:t>Secondo livello</a:t>
             </a:r>
           </a:p>
           <a:p>
             <a:pPr lvl="2"/>
             <a:r>
-              <a:rPr lang="it-IT" dirty="0" smtClean="0"/>
+              <a:rPr lang="it-IT" dirty="0"/>
               <a:t>Terzo livello</a:t>
             </a:r>
           </a:p>
           <a:p>
             <a:pPr lvl="3"/>
             <a:r>
-              <a:rPr lang="it-IT" dirty="0" smtClean="0"/>
+              <a:rPr lang="it-IT" dirty="0"/>
               <a:t>Quarto livello</a:t>
             </a:r>
           </a:p>
           <a:p>
             <a:pPr lvl="4"/>
             <a:r>
-              <a:rPr lang="it-IT" dirty="0" smtClean="0"/>
+              <a:rPr lang="it-IT" dirty="0"/>
               <a:t>Quinto livello</a:t>
             </a:r>
             <a:endParaRPr lang="en-US" dirty="0"/>
@@ -9031,7 +8945,7 @@
             <a:fld id="{3683A939-33A9-471E-AF12-946DC792434E}" type="datetime1">
               <a:rPr lang="it-IT" smtClean="0"/>
               <a:pPr/>
-              <a:t>27/11/2017</a:t>
+              <a:t>28/11/2017</a:t>
             </a:fld>
             <a:endParaRPr lang="it-IT"/>
           </a:p>
@@ -9090,13 +9004,6 @@
   <p:clrMapOvr>
     <a:masterClrMapping/>
   </p:clrMapOvr>
-  <p:timing>
-    <p:tnLst>
-      <p:par>
-        <p:cTn id="1" dur="indefinite" restart="never" nodeType="tmRoot"/>
-      </p:par>
-    </p:tnLst>
-  </p:timing>
 </p:sldLayout>
 </file>
 
@@ -9133,7 +9040,7 @@
           <a:lstStyle/>
           <a:p>
             <a:r>
-              <a:rPr lang="it-IT" smtClean="0"/>
+              <a:rPr lang="it-IT"/>
               <a:t>Fare clic per modificare lo stile del titolo</a:t>
             </a:r>
             <a:endParaRPr lang="en-US" dirty="0"/>
@@ -9158,7 +9065,7 @@
             <a:fld id="{AB6CCB7F-C2E0-40CF-A792-E40DB12DB317}" type="datetime1">
               <a:rPr lang="it-IT" smtClean="0"/>
               <a:pPr/>
-              <a:t>27/11/2017</a:t>
+              <a:t>28/11/2017</a:t>
             </a:fld>
             <a:endParaRPr lang="it-IT"/>
           </a:p>
@@ -9217,13 +9124,6 @@
   <p:clrMapOvr>
     <a:masterClrMapping/>
   </p:clrMapOvr>
-  <p:timing>
-    <p:tnLst>
-      <p:par>
-        <p:cTn id="1" dur="indefinite" restart="never" nodeType="tmRoot"/>
-      </p:par>
-    </p:tnLst>
-  </p:timing>
 </p:sldLayout>
 </file>
 
@@ -9338,7 +9238,7 @@
             <a:fld id="{9FF02910-BDD5-4159-A0F2-090EBAA7031D}" type="datetime1">
               <a:rPr lang="it-IT" smtClean="0"/>
               <a:pPr/>
-              <a:t>27/11/2017</a:t>
+              <a:t>28/11/2017</a:t>
             </a:fld>
             <a:endParaRPr lang="it-IT"/>
           </a:p>
@@ -9532,7 +9432,7 @@
           </a:lstStyle>
           <a:p>
             <a:r>
-              <a:rPr lang="it-IT" smtClean="0"/>
+              <a:rPr lang="it-IT"/>
               <a:t>Fare clic per modificare lo stile del titolo</a:t>
             </a:r>
             <a:endParaRPr lang="en-US" dirty="0"/>
@@ -9561,35 +9461,35 @@
           <a:p>
             <a:pPr lvl="0"/>
             <a:r>
-              <a:rPr lang="it-IT" smtClean="0"/>
+              <a:rPr lang="it-IT"/>
               <a:t>Fare clic per modificare stili del testo dello schema</a:t>
             </a:r>
           </a:p>
           <a:p>
             <a:pPr lvl="1"/>
             <a:r>
-              <a:rPr lang="it-IT" smtClean="0"/>
+              <a:rPr lang="it-IT"/>
               <a:t>Secondo livello</a:t>
             </a:r>
           </a:p>
           <a:p>
             <a:pPr lvl="2"/>
             <a:r>
-              <a:rPr lang="it-IT" smtClean="0"/>
+              <a:rPr lang="it-IT"/>
               <a:t>Terzo livello</a:t>
             </a:r>
           </a:p>
           <a:p>
             <a:pPr lvl="3"/>
             <a:r>
-              <a:rPr lang="it-IT" smtClean="0"/>
+              <a:rPr lang="it-IT"/>
               <a:t>Quarto livello</a:t>
             </a:r>
           </a:p>
           <a:p>
             <a:pPr lvl="4"/>
             <a:r>
-              <a:rPr lang="it-IT" smtClean="0"/>
+              <a:rPr lang="it-IT"/>
               <a:t>Quinto livello</a:t>
             </a:r>
             <a:endParaRPr lang="en-US" dirty="0"/>
@@ -9661,7 +9561,7 @@
           <a:p>
             <a:pPr lvl="0"/>
             <a:r>
-              <a:rPr lang="it-IT" smtClean="0"/>
+              <a:rPr lang="it-IT"/>
               <a:t>Fare clic per modificare stili del testo dello schema</a:t>
             </a:r>
           </a:p>
@@ -9694,7 +9594,7 @@
             <a:fld id="{9189832A-28F4-442B-AC77-C9BD231C58B3}" type="datetime1">
               <a:rPr lang="it-IT" smtClean="0"/>
               <a:pPr/>
-              <a:t>27/11/2017</a:t>
+              <a:t>28/11/2017</a:t>
             </a:fld>
             <a:endParaRPr lang="it-IT"/>
           </a:p>
@@ -9901,7 +9801,7 @@
           </a:lstStyle>
           <a:p>
             <a:r>
-              <a:rPr lang="it-IT" smtClean="0"/>
+              <a:rPr lang="it-IT"/>
               <a:t>Fare clic per modificare lo stile del titolo</a:t>
             </a:r>
             <a:endParaRPr lang="en-US" dirty="0"/>
@@ -9976,7 +9876,7 @@
           </a:lstStyle>
           <a:p>
             <a:r>
-              <a:rPr lang="it-IT" smtClean="0"/>
+              <a:rPr lang="it-IT"/>
               <a:t>Fare clic sull'icona per inserire un'immagine</a:t>
             </a:r>
             <a:endParaRPr lang="en-US"/>
@@ -10054,7 +9954,7 @@
           <a:p>
             <a:pPr lvl="0"/>
             <a:r>
-              <a:rPr lang="it-IT" smtClean="0"/>
+              <a:rPr lang="it-IT"/>
               <a:t>Fare clic per modificare stili del testo dello schema</a:t>
             </a:r>
           </a:p>
@@ -10078,7 +9978,7 @@
             <a:fld id="{C9687EDC-E1EF-477C-9131-0EB83AD68B4D}" type="datetime1">
               <a:rPr lang="it-IT" smtClean="0"/>
               <a:pPr/>
-              <a:t>27/11/2017</a:t>
+              <a:t>28/11/2017</a:t>
             </a:fld>
             <a:endParaRPr lang="it-IT"/>
           </a:p>
@@ -10173,7 +10073,7 @@
           <a:lstStyle/>
           <a:p>
             <a:r>
-              <a:rPr lang="it-IT" smtClean="0"/>
+              <a:rPr lang="it-IT"/>
               <a:t>Fare clic per modificare lo stile del titolo</a:t>
             </a:r>
             <a:endParaRPr lang="en-US" dirty="0"/>
@@ -10197,35 +10097,35 @@
           <a:p>
             <a:pPr lvl="0"/>
             <a:r>
-              <a:rPr lang="it-IT" smtClean="0"/>
+              <a:rPr lang="it-IT"/>
               <a:t>Fare clic per modificare stili del testo dello schema</a:t>
             </a:r>
           </a:p>
           <a:p>
             <a:pPr lvl="1"/>
             <a:r>
-              <a:rPr lang="it-IT" smtClean="0"/>
+              <a:rPr lang="it-IT"/>
               <a:t>Secondo livello</a:t>
             </a:r>
           </a:p>
           <a:p>
             <a:pPr lvl="2"/>
             <a:r>
-              <a:rPr lang="it-IT" smtClean="0"/>
+              <a:rPr lang="it-IT"/>
               <a:t>Terzo livello</a:t>
             </a:r>
           </a:p>
           <a:p>
             <a:pPr lvl="3"/>
             <a:r>
-              <a:rPr lang="it-IT" smtClean="0"/>
+              <a:rPr lang="it-IT"/>
               <a:t>Quarto livello</a:t>
             </a:r>
           </a:p>
           <a:p>
             <a:pPr lvl="4"/>
             <a:r>
-              <a:rPr lang="it-IT" smtClean="0"/>
+              <a:rPr lang="it-IT"/>
               <a:t>Quinto livello</a:t>
             </a:r>
             <a:endParaRPr lang="en-US" dirty="0"/>
@@ -10250,7 +10150,7 @@
             <a:fld id="{506DD563-1CA9-4C92-8788-3AEA719E5784}" type="datetime1">
               <a:rPr lang="it-IT" smtClean="0"/>
               <a:pPr/>
-              <a:t>27/11/2017</a:t>
+              <a:t>28/11/2017</a:t>
             </a:fld>
             <a:endParaRPr lang="it-IT"/>
           </a:p>
@@ -10426,7 +10326,7 @@
           <a:lstStyle/>
           <a:p>
             <a:r>
-              <a:rPr lang="it-IT" smtClean="0"/>
+              <a:rPr lang="it-IT"/>
               <a:t>Fare clic per modificare lo stile del titolo</a:t>
             </a:r>
             <a:endParaRPr lang="en-US" dirty="0"/>
@@ -10455,35 +10355,35 @@
           <a:p>
             <a:pPr lvl="0"/>
             <a:r>
-              <a:rPr lang="it-IT" smtClean="0"/>
+              <a:rPr lang="it-IT"/>
               <a:t>Fare clic per modificare stili del testo dello schema</a:t>
             </a:r>
           </a:p>
           <a:p>
             <a:pPr lvl="1"/>
             <a:r>
-              <a:rPr lang="it-IT" smtClean="0"/>
+              <a:rPr lang="it-IT"/>
               <a:t>Secondo livello</a:t>
             </a:r>
           </a:p>
           <a:p>
             <a:pPr lvl="2"/>
             <a:r>
-              <a:rPr lang="it-IT" smtClean="0"/>
+              <a:rPr lang="it-IT"/>
               <a:t>Terzo livello</a:t>
             </a:r>
           </a:p>
           <a:p>
             <a:pPr lvl="3"/>
             <a:r>
-              <a:rPr lang="it-IT" smtClean="0"/>
+              <a:rPr lang="it-IT"/>
               <a:t>Quarto livello</a:t>
             </a:r>
           </a:p>
           <a:p>
             <a:pPr lvl="4"/>
             <a:r>
-              <a:rPr lang="it-IT" smtClean="0"/>
+              <a:rPr lang="it-IT"/>
               <a:t>Quinto livello</a:t>
             </a:r>
             <a:endParaRPr lang="en-US" dirty="0"/>
@@ -10508,7 +10408,7 @@
             <a:fld id="{5D28B4BE-EFC6-4DDA-8F05-D07E7FADDB5D}" type="datetime1">
               <a:rPr lang="it-IT" smtClean="0"/>
               <a:pPr/>
-              <a:t>27/11/2017</a:t>
+              <a:t>28/11/2017</a:t>
             </a:fld>
             <a:endParaRPr lang="it-IT"/>
           </a:p>
@@ -10651,7 +10551,7 @@
           <a:p>
             <a:pPr lvl="0"/>
             <a:r>
-              <a:rPr lang="it-IT" smtClean="0"/>
+              <a:rPr lang="it-IT"/>
               <a:t>Fare clic per modificare stili del testo dello schema</a:t>
             </a:r>
           </a:p>
@@ -10679,35 +10579,35 @@
           <a:p>
             <a:pPr lvl="0"/>
             <a:r>
-              <a:rPr lang="it-IT" smtClean="0"/>
+              <a:rPr lang="it-IT"/>
               <a:t>Fare clic per modificare stili del testo dello schema</a:t>
             </a:r>
           </a:p>
           <a:p>
             <a:pPr lvl="1"/>
             <a:r>
-              <a:rPr lang="it-IT" smtClean="0"/>
+              <a:rPr lang="it-IT"/>
               <a:t>Secondo livello</a:t>
             </a:r>
           </a:p>
           <a:p>
             <a:pPr lvl="2"/>
             <a:r>
-              <a:rPr lang="it-IT" smtClean="0"/>
+              <a:rPr lang="it-IT"/>
               <a:t>Terzo livello</a:t>
             </a:r>
           </a:p>
           <a:p>
             <a:pPr lvl="3"/>
             <a:r>
-              <a:rPr lang="it-IT" smtClean="0"/>
+              <a:rPr lang="it-IT"/>
               <a:t>Quarto livello</a:t>
             </a:r>
           </a:p>
           <a:p>
             <a:pPr lvl="4"/>
             <a:r>
-              <a:rPr lang="it-IT" smtClean="0"/>
+              <a:rPr lang="it-IT"/>
               <a:t>Quinto livello</a:t>
             </a:r>
             <a:endParaRPr lang="en-US" dirty="0"/>
@@ -10776,7 +10676,7 @@
           <a:p>
             <a:pPr lvl="0"/>
             <a:r>
-              <a:rPr lang="it-IT" smtClean="0"/>
+              <a:rPr lang="it-IT"/>
               <a:t>Fare clic per modificare stili del testo dello schema</a:t>
             </a:r>
           </a:p>
@@ -10804,35 +10704,35 @@
           <a:p>
             <a:pPr lvl="0"/>
             <a:r>
-              <a:rPr lang="it-IT" smtClean="0"/>
+              <a:rPr lang="it-IT"/>
               <a:t>Fare clic per modificare stili del testo dello schema</a:t>
             </a:r>
           </a:p>
           <a:p>
             <a:pPr lvl="1"/>
             <a:r>
-              <a:rPr lang="it-IT" smtClean="0"/>
+              <a:rPr lang="it-IT"/>
               <a:t>Secondo livello</a:t>
             </a:r>
           </a:p>
           <a:p>
             <a:pPr lvl="2"/>
             <a:r>
-              <a:rPr lang="it-IT" smtClean="0"/>
+              <a:rPr lang="it-IT"/>
               <a:t>Terzo livello</a:t>
             </a:r>
           </a:p>
           <a:p>
             <a:pPr lvl="3"/>
             <a:r>
-              <a:rPr lang="it-IT" smtClean="0"/>
+              <a:rPr lang="it-IT"/>
               <a:t>Quarto livello</a:t>
             </a:r>
           </a:p>
           <a:p>
             <a:pPr lvl="4"/>
             <a:r>
-              <a:rPr lang="it-IT" smtClean="0"/>
+              <a:rPr lang="it-IT"/>
               <a:t>Quinto livello</a:t>
             </a:r>
             <a:endParaRPr lang="en-US"/>
@@ -10856,7 +10756,7 @@
           <a:p>
             <a:fld id="{74D33935-DC04-4017-ABFF-46F4C131478B}" type="datetimeFigureOut">
               <a:rPr lang="en-GB" smtClean="0"/>
-              <a:t>27/11/2017</a:t>
+              <a:t>28/11/2017</a:t>
             </a:fld>
             <a:endParaRPr lang="en-GB"/>
           </a:p>
@@ -10920,7 +10820,7 @@
           <a:lstStyle/>
           <a:p>
             <a:r>
-              <a:rPr lang="it-IT" smtClean="0"/>
+              <a:rPr lang="it-IT"/>
               <a:t>Fare clic per modificare lo stile del titolo</a:t>
             </a:r>
             <a:endParaRPr lang="en-US" dirty="0"/>
@@ -10974,7 +10874,7 @@
           <a:p>
             <a:fld id="{74D33935-DC04-4017-ABFF-46F4C131478B}" type="datetimeFigureOut">
               <a:rPr lang="en-GB" smtClean="0"/>
-              <a:t>27/11/2017</a:t>
+              <a:t>28/11/2017</a:t>
             </a:fld>
             <a:endParaRPr lang="en-GB"/>
           </a:p>
@@ -11038,7 +10938,7 @@
           <a:lstStyle/>
           <a:p>
             <a:r>
-              <a:rPr lang="it-IT" smtClean="0"/>
+              <a:rPr lang="it-IT"/>
               <a:t>Fare clic per modificare lo stile del titolo</a:t>
             </a:r>
             <a:endParaRPr lang="en-US"/>
@@ -11092,7 +10992,7 @@
           <a:p>
             <a:fld id="{74D33935-DC04-4017-ABFF-46F4C131478B}" type="datetimeFigureOut">
               <a:rPr lang="en-GB" smtClean="0"/>
-              <a:t>27/11/2017</a:t>
+              <a:t>28/11/2017</a:t>
             </a:fld>
             <a:endParaRPr lang="en-GB"/>
           </a:p>
@@ -11197,7 +11097,7 @@
           </a:lstStyle>
           <a:p>
             <a:r>
-              <a:rPr lang="it-IT" smtClean="0"/>
+              <a:rPr lang="it-IT"/>
               <a:t>Fare clic per modificare lo stile del titolo</a:t>
             </a:r>
             <a:endParaRPr lang="en-US" dirty="0"/>
@@ -11254,35 +11154,35 @@
           <a:p>
             <a:pPr lvl="0"/>
             <a:r>
-              <a:rPr lang="it-IT" smtClean="0"/>
+              <a:rPr lang="it-IT"/>
               <a:t>Fare clic per modificare stili del testo dello schema</a:t>
             </a:r>
           </a:p>
           <a:p>
             <a:pPr lvl="1"/>
             <a:r>
-              <a:rPr lang="it-IT" smtClean="0"/>
+              <a:rPr lang="it-IT"/>
               <a:t>Secondo livello</a:t>
             </a:r>
           </a:p>
           <a:p>
             <a:pPr lvl="2"/>
             <a:r>
-              <a:rPr lang="it-IT" smtClean="0"/>
+              <a:rPr lang="it-IT"/>
               <a:t>Terzo livello</a:t>
             </a:r>
           </a:p>
           <a:p>
             <a:pPr lvl="3"/>
             <a:r>
-              <a:rPr lang="it-IT" smtClean="0"/>
+              <a:rPr lang="it-IT"/>
               <a:t>Quarto livello</a:t>
             </a:r>
           </a:p>
           <a:p>
             <a:pPr lvl="4"/>
             <a:r>
-              <a:rPr lang="it-IT" smtClean="0"/>
+              <a:rPr lang="it-IT"/>
               <a:t>Quinto livello</a:t>
             </a:r>
             <a:endParaRPr lang="en-US" dirty="0"/>
@@ -11353,7 +11253,7 @@
           <a:p>
             <a:pPr lvl="0"/>
             <a:r>
-              <a:rPr lang="it-IT" smtClean="0"/>
+              <a:rPr lang="it-IT"/>
               <a:t>Fare clic per modificare stili del testo dello schema</a:t>
             </a:r>
           </a:p>
@@ -11376,7 +11276,7 @@
           <a:p>
             <a:fld id="{74D33935-DC04-4017-ABFF-46F4C131478B}" type="datetimeFigureOut">
               <a:rPr lang="en-GB" smtClean="0"/>
-              <a:t>27/11/2017</a:t>
+              <a:t>28/11/2017</a:t>
             </a:fld>
             <a:endParaRPr lang="en-GB"/>
           </a:p>
@@ -11481,7 +11381,7 @@
           </a:lstStyle>
           <a:p>
             <a:r>
-              <a:rPr lang="it-IT" smtClean="0"/>
+              <a:rPr lang="it-IT"/>
               <a:t>Fare clic per modificare lo stile del titolo</a:t>
             </a:r>
             <a:endParaRPr lang="en-US" dirty="0"/>
@@ -11546,7 +11446,7 @@
           </a:lstStyle>
           <a:p>
             <a:r>
-              <a:rPr lang="it-IT" smtClean="0"/>
+              <a:rPr lang="it-IT"/>
               <a:t>Fare clic sull'icona per inserire un'immagine</a:t>
             </a:r>
             <a:endParaRPr lang="en-US"/>
@@ -11617,7 +11517,7 @@
           <a:p>
             <a:pPr lvl="0"/>
             <a:r>
-              <a:rPr lang="it-IT" smtClean="0"/>
+              <a:rPr lang="it-IT"/>
               <a:t>Fare clic per modificare stili del testo dello schema</a:t>
             </a:r>
           </a:p>
@@ -11640,7 +11540,7 @@
           <a:p>
             <a:fld id="{74D33935-DC04-4017-ABFF-46F4C131478B}" type="datetimeFigureOut">
               <a:rPr lang="en-GB" smtClean="0"/>
-              <a:t>27/11/2017</a:t>
+              <a:t>28/11/2017</a:t>
             </a:fld>
             <a:endParaRPr lang="en-GB"/>
           </a:p>
@@ -11749,7 +11649,7 @@
           <a:lstStyle/>
           <a:p>
             <a:r>
-              <a:rPr lang="it-IT" smtClean="0"/>
+              <a:rPr lang="it-IT"/>
               <a:t>Fare clic per modificare lo stile del titolo</a:t>
             </a:r>
             <a:endParaRPr lang="en-US" dirty="0"/>
@@ -11783,35 +11683,35 @@
           <a:p>
             <a:pPr lvl="0"/>
             <a:r>
-              <a:rPr lang="it-IT" smtClean="0"/>
+              <a:rPr lang="it-IT"/>
               <a:t>Fare clic per modificare stili del testo dello schema</a:t>
             </a:r>
           </a:p>
           <a:p>
             <a:pPr lvl="1"/>
             <a:r>
-              <a:rPr lang="it-IT" smtClean="0"/>
+              <a:rPr lang="it-IT"/>
               <a:t>Secondo livello</a:t>
             </a:r>
           </a:p>
           <a:p>
             <a:pPr lvl="2"/>
             <a:r>
-              <a:rPr lang="it-IT" smtClean="0"/>
+              <a:rPr lang="it-IT"/>
               <a:t>Terzo livello</a:t>
             </a:r>
           </a:p>
           <a:p>
             <a:pPr lvl="3"/>
             <a:r>
-              <a:rPr lang="it-IT" smtClean="0"/>
+              <a:rPr lang="it-IT"/>
               <a:t>Quarto livello</a:t>
             </a:r>
           </a:p>
           <a:p>
             <a:pPr lvl="4"/>
             <a:r>
-              <a:rPr lang="it-IT" smtClean="0"/>
+              <a:rPr lang="it-IT"/>
               <a:t>Quinto livello</a:t>
             </a:r>
             <a:endParaRPr lang="en-US" dirty="0"/>
@@ -11854,7 +11754,7 @@
           <a:p>
             <a:fld id="{74D33935-DC04-4017-ABFF-46F4C131478B}" type="datetimeFigureOut">
               <a:rPr lang="en-GB" smtClean="0"/>
-              <a:t>27/11/2017</a:t>
+              <a:t>28/11/2017</a:t>
             </a:fld>
             <a:endParaRPr lang="en-GB"/>
           </a:p>
@@ -12356,7 +12256,7 @@
           <a:lstStyle/>
           <a:p>
             <a:r>
-              <a:rPr lang="it-IT" dirty="0" smtClean="0"/>
+              <a:rPr lang="it-IT" dirty="0"/>
               <a:t>Fare clic per modificare lo stile del titolo</a:t>
             </a:r>
             <a:endParaRPr lang="en-US" dirty="0"/>
@@ -12390,35 +12290,35 @@
           <a:p>
             <a:pPr lvl="0"/>
             <a:r>
-              <a:rPr lang="it-IT" dirty="0" smtClean="0"/>
+              <a:rPr lang="it-IT" dirty="0"/>
               <a:t> Fare clic per modificare stili del testo dello schema</a:t>
             </a:r>
           </a:p>
           <a:p>
             <a:pPr lvl="1"/>
             <a:r>
-              <a:rPr lang="it-IT" dirty="0" smtClean="0"/>
+              <a:rPr lang="it-IT" dirty="0"/>
               <a:t>Secondo livello</a:t>
             </a:r>
           </a:p>
           <a:p>
             <a:pPr lvl="2"/>
             <a:r>
-              <a:rPr lang="it-IT" dirty="0" smtClean="0"/>
+              <a:rPr lang="it-IT" dirty="0"/>
               <a:t>Terzo livello</a:t>
             </a:r>
           </a:p>
           <a:p>
             <a:pPr lvl="3"/>
             <a:r>
-              <a:rPr lang="it-IT" dirty="0" smtClean="0"/>
+              <a:rPr lang="it-IT" dirty="0"/>
               <a:t>Quarto livello</a:t>
             </a:r>
           </a:p>
           <a:p>
             <a:pPr lvl="4"/>
             <a:r>
-              <a:rPr lang="it-IT" dirty="0" smtClean="0"/>
+              <a:rPr lang="it-IT" dirty="0"/>
               <a:t>Quinto livello</a:t>
             </a:r>
             <a:endParaRPr lang="en-US" dirty="0"/>
@@ -12459,7 +12359,7 @@
             <a:fld id="{BBAA8976-DA0A-4A91-96D1-D23211FE915E}" type="datetime1">
               <a:rPr lang="it-IT" smtClean="0"/>
               <a:pPr/>
-              <a:t>27/11/2017</a:t>
+              <a:t>28/11/2017</a:t>
             </a:fld>
             <a:endParaRPr lang="it-IT"/>
           </a:p>
@@ -12599,13 +12499,6 @@
     <p:sldLayoutId id="2147483695" r:id="rId10"/>
     <p:sldLayoutId id="2147483696" r:id="rId11"/>
   </p:sldLayoutIdLst>
-  <p:timing>
-    <p:tnLst>
-      <p:par>
-        <p:cTn id="1" dur="indefinite" restart="never" nodeType="tmRoot"/>
-      </p:par>
-    </p:tnLst>
-  </p:timing>
   <p:hf hdr="0" ftr="0" dt="0"/>
   <p:txStyles>
     <p:titleStyle>
@@ -13021,7 +12914,7 @@
           <a:lstStyle/>
           <a:p>
             <a:r>
-              <a:rPr lang="it-IT" smtClean="0"/>
+              <a:rPr lang="it-IT"/>
               <a:t>Fare clic per modificare lo stile del titolo</a:t>
             </a:r>
             <a:endParaRPr lang="en-US" dirty="0"/>
@@ -13055,35 +12948,35 @@
           <a:p>
             <a:pPr lvl="0"/>
             <a:r>
-              <a:rPr lang="it-IT" smtClean="0"/>
+              <a:rPr lang="it-IT"/>
               <a:t>Fare clic per modificare stili del testo dello schema</a:t>
             </a:r>
           </a:p>
           <a:p>
             <a:pPr lvl="1"/>
             <a:r>
-              <a:rPr lang="it-IT" smtClean="0"/>
+              <a:rPr lang="it-IT"/>
               <a:t>Secondo livello</a:t>
             </a:r>
           </a:p>
           <a:p>
             <a:pPr lvl="2"/>
             <a:r>
-              <a:rPr lang="it-IT" smtClean="0"/>
+              <a:rPr lang="it-IT"/>
               <a:t>Terzo livello</a:t>
             </a:r>
           </a:p>
           <a:p>
             <a:pPr lvl="3"/>
             <a:r>
-              <a:rPr lang="it-IT" smtClean="0"/>
+              <a:rPr lang="it-IT"/>
               <a:t>Quarto livello</a:t>
             </a:r>
           </a:p>
           <a:p>
             <a:pPr lvl="4"/>
             <a:r>
-              <a:rPr lang="it-IT" smtClean="0"/>
+              <a:rPr lang="it-IT"/>
               <a:t>Quinto livello</a:t>
             </a:r>
             <a:endParaRPr lang="en-US" dirty="0"/>
@@ -13126,7 +13019,7 @@
           <a:p>
             <a:fld id="{74D33935-DC04-4017-ABFF-46F4C131478B}" type="datetimeFigureOut">
               <a:rPr lang="en-GB" smtClean="0"/>
-              <a:t>27/11/2017</a:t>
+              <a:t>28/11/2017</a:t>
             </a:fld>
             <a:endParaRPr lang="en-GB"/>
           </a:p>
@@ -13628,7 +13521,7 @@
           <a:lstStyle/>
           <a:p>
             <a:r>
-              <a:rPr lang="it-IT" dirty="0" smtClean="0"/>
+              <a:rPr lang="it-IT" dirty="0"/>
               <a:t>Fare clic per modificare lo stile del titolo</a:t>
             </a:r>
             <a:endParaRPr lang="en-US" dirty="0"/>
@@ -13662,35 +13555,35 @@
           <a:p>
             <a:pPr lvl="0"/>
             <a:r>
-              <a:rPr lang="it-IT" dirty="0" smtClean="0"/>
+              <a:rPr lang="it-IT" dirty="0"/>
               <a:t> Fare clic per modificare stili del testo dello schema</a:t>
             </a:r>
           </a:p>
           <a:p>
             <a:pPr lvl="1"/>
             <a:r>
-              <a:rPr lang="it-IT" dirty="0" smtClean="0"/>
+              <a:rPr lang="it-IT" dirty="0"/>
               <a:t>Secondo livello</a:t>
             </a:r>
           </a:p>
           <a:p>
             <a:pPr lvl="2"/>
             <a:r>
-              <a:rPr lang="it-IT" dirty="0" smtClean="0"/>
+              <a:rPr lang="it-IT" dirty="0"/>
               <a:t>Terzo livello</a:t>
             </a:r>
           </a:p>
           <a:p>
             <a:pPr lvl="3"/>
             <a:r>
-              <a:rPr lang="it-IT" dirty="0" smtClean="0"/>
+              <a:rPr lang="it-IT" dirty="0"/>
               <a:t>Quarto livello</a:t>
             </a:r>
           </a:p>
           <a:p>
             <a:pPr lvl="4"/>
             <a:r>
-              <a:rPr lang="it-IT" dirty="0" smtClean="0"/>
+              <a:rPr lang="it-IT" dirty="0"/>
               <a:t>Quinto livello</a:t>
             </a:r>
             <a:endParaRPr lang="en-US" dirty="0"/>
@@ -13731,7 +13624,7 @@
             <a:fld id="{BBAA8976-DA0A-4A91-96D1-D23211FE915E}" type="datetime1">
               <a:rPr lang="it-IT" smtClean="0"/>
               <a:pPr/>
-              <a:t>27/11/2017</a:t>
+              <a:t>28/11/2017</a:t>
             </a:fld>
             <a:endParaRPr lang="it-IT"/>
           </a:p>
@@ -13871,13 +13764,6 @@
     <p:sldLayoutId id="2147483720" r:id="rId10"/>
     <p:sldLayoutId id="2147483721" r:id="rId11"/>
   </p:sldLayoutIdLst>
-  <p:timing>
-    <p:tnLst>
-      <p:par>
-        <p:cTn id="1" dur="indefinite" restart="never" nodeType="tmRoot"/>
-      </p:par>
-    </p:tnLst>
-  </p:timing>
   <p:hf hdr="0" ftr="0" dt="0"/>
   <p:txStyles>
     <p:titleStyle>
@@ -14278,7 +14164,7 @@
           <a:lstStyle/>
           <a:p>
             <a:r>
-              <a:rPr lang="it-IT" dirty="0" smtClean="0"/>
+              <a:rPr lang="it-IT" dirty="0"/>
               <a:t>DD</a:t>
             </a:r>
             <a:endParaRPr lang="en-GB" dirty="0"/>
@@ -14301,7 +14187,7 @@
           <a:lstStyle/>
           <a:p>
             <a:r>
-              <a:rPr lang="it-IT" dirty="0" smtClean="0"/>
+              <a:rPr lang="it-IT" dirty="0"/>
               <a:t>FEDERICO BETTI – TOMMASO BIANCHI</a:t>
             </a:r>
             <a:endParaRPr lang="en-GB" dirty="0"/>
@@ -14318,13 +14204,6 @@
   <p:clrMapOvr>
     <a:masterClrMapping/>
   </p:clrMapOvr>
-  <p:timing>
-    <p:tnLst>
-      <p:par>
-        <p:cTn id="1" dur="indefinite" restart="never" nodeType="tmRoot"/>
-      </p:par>
-    </p:tnLst>
-  </p:timing>
 </p:sld>
 </file>
 
@@ -14362,15 +14241,15 @@
           <a:p>
             <a:pPr algn="ctr"/>
             <a:r>
-              <a:rPr lang="it-IT" dirty="0" err="1" smtClean="0"/>
+              <a:rPr lang="it-IT" dirty="0" err="1"/>
               <a:t>Calendar</a:t>
             </a:r>
             <a:r>
-              <a:rPr lang="it-IT" dirty="0" smtClean="0"/>
+              <a:rPr lang="it-IT" dirty="0"/>
               <a:t> Page </a:t>
             </a:r>
             <a:r>
-              <a:rPr lang="it-IT" dirty="0" err="1" smtClean="0"/>
+              <a:rPr lang="it-IT" dirty="0" err="1"/>
               <a:t>Mockups</a:t>
             </a:r>
             <a:endParaRPr lang="en-GB" dirty="0"/>
@@ -14440,13 +14319,6 @@
   <p:clrMapOvr>
     <a:masterClrMapping/>
   </p:clrMapOvr>
-  <p:timing>
-    <p:tnLst>
-      <p:par>
-        <p:cTn id="1" dur="indefinite" restart="never" nodeType="tmRoot"/>
-      </p:par>
-    </p:tnLst>
-  </p:timing>
 </p:sld>
 </file>
 
@@ -14484,11 +14356,11 @@
           <a:p>
             <a:pPr algn="ctr"/>
             <a:r>
-              <a:rPr lang="it-IT" dirty="0" err="1" smtClean="0"/>
+              <a:rPr lang="it-IT" dirty="0" err="1"/>
               <a:t>Algorithm</a:t>
             </a:r>
             <a:r>
-              <a:rPr lang="it-IT" dirty="0" smtClean="0"/>
+              <a:rPr lang="it-IT" dirty="0"/>
               <a:t> Design</a:t>
             </a:r>
             <a:endParaRPr lang="en-GB" dirty="0"/>
@@ -14521,38 +14393,38 @@
               <a:buNone/>
             </a:pPr>
             <a:r>
-              <a:rPr lang="it-IT" sz="2400" dirty="0" err="1" smtClean="0"/>
+              <a:rPr lang="it-IT" sz="2400" dirty="0" err="1"/>
               <a:t>Insert_meeting</a:t>
             </a:r>
             <a:r>
-              <a:rPr lang="it-IT" sz="2400" dirty="0" smtClean="0"/>
+              <a:rPr lang="it-IT" sz="2400" dirty="0"/>
               <a:t> </a:t>
             </a:r>
             <a:r>
-              <a:rPr lang="it-IT" sz="2400" dirty="0" err="1" smtClean="0"/>
+              <a:rPr lang="it-IT" sz="2400" dirty="0" err="1"/>
               <a:t>function</a:t>
             </a:r>
             <a:r>
-              <a:rPr lang="it-IT" sz="2400" dirty="0" smtClean="0"/>
+              <a:rPr lang="it-IT" sz="2400" dirty="0"/>
               <a:t> </a:t>
             </a:r>
             <a:r>
-              <a:rPr lang="it-IT" sz="2400" dirty="0" err="1" smtClean="0"/>
+              <a:rPr lang="it-IT" sz="2400" dirty="0" err="1"/>
               <a:t>main</a:t>
             </a:r>
             <a:r>
-              <a:rPr lang="it-IT" sz="2400" dirty="0" smtClean="0"/>
+              <a:rPr lang="it-IT" sz="2400" dirty="0"/>
               <a:t> </a:t>
             </a:r>
             <a:r>
-              <a:rPr lang="it-IT" sz="2400" dirty="0" err="1" smtClean="0"/>
+              <a:rPr lang="it-IT" sz="2400" dirty="0" err="1"/>
               <a:t>steps</a:t>
             </a:r>
             <a:r>
               <a:rPr lang="it-IT" sz="2400" dirty="0"/>
               <a:t>:</a:t>
             </a:r>
-            <a:endParaRPr lang="en-GB" sz="2400" dirty="0" smtClean="0"/>
+            <a:endParaRPr lang="en-GB" sz="2400" dirty="0"/>
           </a:p>
           <a:p>
             <a:pPr marL="457200" indent="-457200">
@@ -14560,30 +14432,9 @@
               <a:buAutoNum type="arabicPeriod"/>
             </a:pPr>
             <a:r>
-              <a:rPr lang="en-GB" sz="2400" dirty="0" smtClean="0"/>
-              <a:t>Find </a:t>
-            </a:r>
-            <a:r>
               <a:rPr lang="en-GB" sz="2400" dirty="0"/>
-              <a:t>all the meetings overlapping with the one that we are inserting and mark them as </a:t>
-            </a:r>
-            <a:r>
-              <a:rPr lang="en-GB" sz="2400" dirty="0" smtClean="0"/>
-              <a:t>inconsistent; if </a:t>
-            </a:r>
-            <a:r>
-              <a:rPr lang="en-GB" sz="2400" dirty="0"/>
-              <a:t>at least a meeting is found, mark also the new one </a:t>
-            </a:r>
-            <a:r>
-              <a:rPr lang="en-GB" sz="2400" dirty="0" smtClean="0"/>
-              <a:t>as inconsistent </a:t>
-            </a:r>
-            <a:r>
-              <a:rPr lang="en-GB" sz="2400" dirty="0"/>
-              <a:t>and terminate the function. </a:t>
-            </a:r>
-            <a:endParaRPr lang="en-GB" sz="2400" dirty="0" smtClean="0"/>
+              <a:t>Find all the meetings overlapping with the one that we are inserting and mark them as inconsistent; if at least a meeting is found, mark also the new one as inconsistent and terminate the function. </a:t>
+            </a:r>
           </a:p>
           <a:p>
             <a:pPr marL="457200" indent="-457200">
@@ -14591,28 +14442,8 @@
               <a:buAutoNum type="arabicPeriod"/>
             </a:pPr>
             <a:r>
-              <a:rPr lang="en-GB" sz="2400" dirty="0" smtClean="0"/>
-              <a:t>Try </a:t>
-            </a:r>
-            <a:r>
               <a:rPr lang="en-GB" sz="2400" dirty="0"/>
-              <a:t>to compute a travel for arriving and for leaving the newly inserted meeting taking into </a:t>
-            </a:r>
-            <a:r>
-              <a:rPr lang="en-GB" sz="2400" dirty="0" smtClean="0"/>
-              <a:t>account the </a:t>
-            </a:r>
-            <a:r>
-              <a:rPr lang="en-GB" sz="2400" dirty="0"/>
-              <a:t>previous meeting, the following one and the default locations; if this is not possible, </a:t>
-            </a:r>
-            <a:r>
-              <a:rPr lang="en-GB" sz="2400" dirty="0" smtClean="0"/>
-              <a:t>terminate the </a:t>
-            </a:r>
-            <a:r>
-              <a:rPr lang="en-GB" sz="2400" dirty="0"/>
-              <a:t>function marking the new meeting and the conflicting one as inconsistent.</a:t>
+              <a:t>Try to compute a travel for arriving and for leaving the newly inserted meeting taking into account the previous meeting, the following one and the default locations; if this is not possible, terminate the function marking the new meeting and the conflicting one as inconsistent.</a:t>
             </a:r>
           </a:p>
           <a:p>
@@ -14621,22 +14452,9 @@
               <a:buAutoNum type="arabicPeriod"/>
             </a:pPr>
             <a:r>
-              <a:rPr lang="en-GB" sz="2400" dirty="0" smtClean="0"/>
-              <a:t>Adjust </a:t>
-            </a:r>
-            <a:r>
               <a:rPr lang="en-GB" sz="2400" dirty="0"/>
-              <a:t>the effective time of all the flexible breaks overlapping with the new meeting; if this is </a:t>
-            </a:r>
-            <a:r>
-              <a:rPr lang="en-GB" sz="2400" dirty="0" smtClean="0"/>
-              <a:t>not possible</a:t>
-            </a:r>
-            <a:r>
-              <a:rPr lang="en-GB" sz="2400" dirty="0"/>
-              <a:t>, mark the break as not doable. </a:t>
-            </a:r>
-            <a:endParaRPr lang="en-GB" sz="2400" dirty="0" smtClean="0"/>
+              <a:t>Adjust the effective time of all the flexible breaks overlapping with the new meeting; if this is not possible, mark the break as not doable. </a:t>
+            </a:r>
           </a:p>
           <a:p>
             <a:pPr marL="457200" indent="-457200">
@@ -14644,14 +14462,9 @@
               <a:buAutoNum type="arabicPeriod"/>
             </a:pPr>
             <a:r>
-              <a:rPr lang="en-GB" sz="2400" dirty="0" smtClean="0"/>
-              <a:t>Link </a:t>
-            </a:r>
-            <a:r>
               <a:rPr lang="en-GB" sz="2400" dirty="0"/>
-              <a:t>the travels to the meeting and store everything, then terminate successfully.</a:t>
-            </a:r>
-            <a:endParaRPr lang="en-GB" sz="2400" dirty="0"/>
+              <a:t>Link the travels to the meeting and store everything, then terminate successfully.</a:t>
+            </a:r>
           </a:p>
         </p:txBody>
       </p:sp>
@@ -14689,13 +14502,6 @@
   <p:clrMapOvr>
     <a:masterClrMapping/>
   </p:clrMapOvr>
-  <p:timing>
-    <p:tnLst>
-      <p:par>
-        <p:cTn id="1" dur="indefinite" restart="never" nodeType="tmRoot"/>
-      </p:par>
-    </p:tnLst>
-  </p:timing>
 </p:sld>
 </file>
 
@@ -14733,36 +14539,52 @@
           <a:p>
             <a:pPr algn="ctr"/>
             <a:r>
-              <a:rPr lang="it-IT" dirty="0" err="1" smtClean="0"/>
+              <a:rPr lang="it-IT" dirty="0" err="1"/>
               <a:t>Implementation</a:t>
             </a:r>
             <a:r>
-              <a:rPr lang="it-IT" dirty="0" smtClean="0"/>
+              <a:rPr lang="it-IT" dirty="0"/>
               <a:t> &amp; Integration</a:t>
             </a:r>
             <a:endParaRPr lang="en-GB" dirty="0"/>
           </a:p>
         </p:txBody>
       </p:sp>
-      <p:sp>
-        <p:nvSpPr>
-          <p:cNvPr id="3" name="Segnaposto contenuto 2"/>
-          <p:cNvSpPr>
-            <a:spLocks noGrp="1"/>
-          </p:cNvSpPr>
+      <p:pic>
+        <p:nvPicPr>
+          <p:cNvPr id="6" name="Segnaposto contenuto 5">
+            <a:extLst>
+              <a:ext uri="{FF2B5EF4-FFF2-40B4-BE49-F238E27FC236}">
+                <a16:creationId xmlns:a16="http://schemas.microsoft.com/office/drawing/2014/main" id="{13A57F47-A215-4EE5-9BA8-EC10160AA797}"/>
+              </a:ext>
+            </a:extLst>
+          </p:cNvPr>
+          <p:cNvPicPr>
+            <a:picLocks noGrp="1" noChangeAspect="1"/>
+          </p:cNvPicPr>
           <p:nvPr>
             <p:ph idx="1"/>
           </p:nvPr>
-        </p:nvSpPr>
-        <p:spPr/>
-        <p:txBody>
-          <a:bodyPr/>
-          <a:lstStyle/>
-          <a:p>
-            <a:endParaRPr lang="en-GB"/>
-          </a:p>
-        </p:txBody>
-      </p:sp>
+        </p:nvPicPr>
+        <p:blipFill>
+          <a:blip r:embed="rId2" cstate="print">
+            <a:extLst>
+              <a:ext uri="{28A0092B-C50C-407E-A947-70E740481C1C}">
+                <a14:useLocalDpi xmlns:a14="http://schemas.microsoft.com/office/drawing/2010/main" val="0"/>
+              </a:ext>
+            </a:extLst>
+          </a:blip>
+          <a:stretch>
+            <a:fillRect/>
+          </a:stretch>
+        </p:blipFill>
+        <p:spPr>
+          <a:xfrm>
+            <a:off x="3955001" y="1169988"/>
+            <a:ext cx="4342323" cy="5062537"/>
+          </a:xfrm>
+        </p:spPr>
+      </p:pic>
       <p:sp>
         <p:nvSpPr>
           <p:cNvPr id="4" name="Segnaposto numero diapositiva 3"/>
@@ -14797,13 +14619,6 @@
   <p:clrMapOvr>
     <a:masterClrMapping/>
   </p:clrMapOvr>
-  <p:timing>
-    <p:tnLst>
-      <p:par>
-        <p:cTn id="1" dur="indefinite" restart="never" nodeType="tmRoot"/>
-      </p:par>
-    </p:tnLst>
-  </p:timing>
 </p:sld>
 </file>
 
@@ -14841,36 +14656,52 @@
           <a:p>
             <a:pPr algn="ctr"/>
             <a:r>
-              <a:rPr lang="it-IT" dirty="0" err="1" smtClean="0"/>
+              <a:rPr lang="it-IT" dirty="0" err="1"/>
               <a:t>Implementation</a:t>
             </a:r>
             <a:r>
-              <a:rPr lang="it-IT" dirty="0" smtClean="0"/>
+              <a:rPr lang="it-IT" dirty="0"/>
               <a:t> &amp; Integration</a:t>
             </a:r>
             <a:endParaRPr lang="en-GB" dirty="0"/>
           </a:p>
         </p:txBody>
       </p:sp>
-      <p:sp>
-        <p:nvSpPr>
-          <p:cNvPr id="3" name="Segnaposto contenuto 2"/>
-          <p:cNvSpPr>
-            <a:spLocks noGrp="1"/>
-          </p:cNvSpPr>
+      <p:pic>
+        <p:nvPicPr>
+          <p:cNvPr id="6" name="Segnaposto contenuto 5">
+            <a:extLst>
+              <a:ext uri="{FF2B5EF4-FFF2-40B4-BE49-F238E27FC236}">
+                <a16:creationId xmlns:a16="http://schemas.microsoft.com/office/drawing/2014/main" id="{5479C52C-8C47-43D5-BDE8-060FD8D19AB9}"/>
+              </a:ext>
+            </a:extLst>
+          </p:cNvPr>
+          <p:cNvPicPr>
+            <a:picLocks noGrp="1" noChangeAspect="1"/>
+          </p:cNvPicPr>
           <p:nvPr>
             <p:ph idx="1"/>
           </p:nvPr>
-        </p:nvSpPr>
-        <p:spPr/>
-        <p:txBody>
-          <a:bodyPr/>
-          <a:lstStyle/>
-          <a:p>
-            <a:endParaRPr lang="en-GB"/>
-          </a:p>
-        </p:txBody>
-      </p:sp>
+        </p:nvPicPr>
+        <p:blipFill>
+          <a:blip r:embed="rId2" cstate="print">
+            <a:extLst>
+              <a:ext uri="{28A0092B-C50C-407E-A947-70E740481C1C}">
+                <a14:useLocalDpi xmlns:a14="http://schemas.microsoft.com/office/drawing/2010/main" val="0"/>
+              </a:ext>
+            </a:extLst>
+          </a:blip>
+          <a:stretch>
+            <a:fillRect/>
+          </a:stretch>
+        </p:blipFill>
+        <p:spPr>
+          <a:xfrm>
+            <a:off x="3955001" y="1169988"/>
+            <a:ext cx="4342323" cy="5062537"/>
+          </a:xfrm>
+        </p:spPr>
+      </p:pic>
       <p:sp>
         <p:nvSpPr>
           <p:cNvPr id="4" name="Segnaposto numero diapositiva 3"/>
@@ -14905,13 +14736,6 @@
   <p:clrMapOvr>
     <a:masterClrMapping/>
   </p:clrMapOvr>
-  <p:timing>
-    <p:tnLst>
-      <p:par>
-        <p:cTn id="1" dur="indefinite" restart="never" nodeType="tmRoot"/>
-      </p:par>
-    </p:tnLst>
-  </p:timing>
 </p:sld>
 </file>
 
@@ -14949,36 +14773,52 @@
           <a:p>
             <a:pPr algn="ctr"/>
             <a:r>
-              <a:rPr lang="it-IT" dirty="0" err="1" smtClean="0"/>
+              <a:rPr lang="it-IT" dirty="0" err="1"/>
               <a:t>Implementation</a:t>
             </a:r>
             <a:r>
-              <a:rPr lang="it-IT" dirty="0" smtClean="0"/>
+              <a:rPr lang="it-IT" dirty="0"/>
               <a:t> &amp; Integration</a:t>
             </a:r>
             <a:endParaRPr lang="en-GB" dirty="0"/>
           </a:p>
         </p:txBody>
       </p:sp>
-      <p:sp>
-        <p:nvSpPr>
-          <p:cNvPr id="3" name="Segnaposto contenuto 2"/>
-          <p:cNvSpPr>
-            <a:spLocks noGrp="1"/>
-          </p:cNvSpPr>
+      <p:pic>
+        <p:nvPicPr>
+          <p:cNvPr id="6" name="Segnaposto contenuto 5">
+            <a:extLst>
+              <a:ext uri="{FF2B5EF4-FFF2-40B4-BE49-F238E27FC236}">
+                <a16:creationId xmlns:a16="http://schemas.microsoft.com/office/drawing/2014/main" id="{9A565819-D927-48A7-B28F-8DBC165BC5EE}"/>
+              </a:ext>
+            </a:extLst>
+          </p:cNvPr>
+          <p:cNvPicPr>
+            <a:picLocks noGrp="1" noChangeAspect="1"/>
+          </p:cNvPicPr>
           <p:nvPr>
             <p:ph idx="1"/>
           </p:nvPr>
-        </p:nvSpPr>
-        <p:spPr/>
-        <p:txBody>
-          <a:bodyPr/>
-          <a:lstStyle/>
-          <a:p>
-            <a:endParaRPr lang="en-GB"/>
-          </a:p>
-        </p:txBody>
-      </p:sp>
+        </p:nvPicPr>
+        <p:blipFill>
+          <a:blip r:embed="rId2" cstate="print">
+            <a:extLst>
+              <a:ext uri="{28A0092B-C50C-407E-A947-70E740481C1C}">
+                <a14:useLocalDpi xmlns:a14="http://schemas.microsoft.com/office/drawing/2010/main" val="0"/>
+              </a:ext>
+            </a:extLst>
+          </a:blip>
+          <a:stretch>
+            <a:fillRect/>
+          </a:stretch>
+        </p:blipFill>
+        <p:spPr>
+          <a:xfrm>
+            <a:off x="3955001" y="1169988"/>
+            <a:ext cx="4342323" cy="5062537"/>
+          </a:xfrm>
+        </p:spPr>
+      </p:pic>
       <p:sp>
         <p:nvSpPr>
           <p:cNvPr id="4" name="Segnaposto numero diapositiva 3"/>
@@ -15013,13 +14853,6 @@
   <p:clrMapOvr>
     <a:masterClrMapping/>
   </p:clrMapOvr>
-  <p:timing>
-    <p:tnLst>
-      <p:par>
-        <p:cTn id="1" dur="indefinite" restart="never" nodeType="tmRoot"/>
-      </p:par>
-    </p:tnLst>
-  </p:timing>
 </p:sld>
 </file>
 
@@ -15057,7 +14890,7 @@
           <a:p>
             <a:pPr algn="ctr"/>
             <a:r>
-              <a:rPr lang="it-IT" dirty="0" smtClean="0"/>
+              <a:rPr lang="it-IT" dirty="0"/>
               <a:t>Test Plan</a:t>
             </a:r>
             <a:endParaRPr lang="en-GB" dirty="0"/>
@@ -15085,67 +14918,55 @@
           </a:p>
           <a:p>
             <a:r>
-              <a:rPr lang="it-IT" sz="4000" dirty="0" smtClean="0"/>
-              <a:t> </a:t>
-            </a:r>
-            <a:r>
-              <a:rPr lang="it-IT" sz="4000" dirty="0" err="1" smtClean="0"/>
-              <a:t>Continuous</a:t>
-            </a:r>
-            <a:r>
-              <a:rPr lang="it-IT" sz="4000" dirty="0" smtClean="0"/>
-              <a:t> and </a:t>
-            </a:r>
-            <a:r>
-              <a:rPr lang="it-IT" sz="4000" dirty="0" err="1" smtClean="0"/>
-              <a:t>Automated</a:t>
-            </a:r>
-            <a:r>
-              <a:rPr lang="it-IT" sz="4000" dirty="0" smtClean="0"/>
-              <a:t> </a:t>
-            </a:r>
-            <a:r>
-              <a:rPr lang="it-IT" sz="4000" dirty="0" err="1"/>
-              <a:t>T</a:t>
-            </a:r>
-            <a:r>
-              <a:rPr lang="it-IT" sz="4000" dirty="0" err="1" smtClean="0"/>
-              <a:t>esting</a:t>
-            </a:r>
-            <a:endParaRPr lang="it-IT" sz="4000" dirty="0"/>
-          </a:p>
-          <a:p>
-            <a:endParaRPr lang="it-IT" sz="4000" dirty="0"/>
-          </a:p>
-          <a:p>
-            <a:r>
               <a:rPr lang="it-IT" sz="4000" dirty="0"/>
               <a:t> </a:t>
             </a:r>
             <a:r>
-              <a:rPr lang="it-IT" sz="4000" dirty="0" smtClean="0"/>
-              <a:t>Unit </a:t>
-            </a:r>
-            <a:r>
-              <a:rPr lang="it-IT" sz="4000" dirty="0" err="1" smtClean="0"/>
-              <a:t>Tests</a:t>
-            </a:r>
-            <a:endParaRPr lang="it-IT" sz="4000" dirty="0" smtClean="0"/>
-          </a:p>
-          <a:p>
-            <a:endParaRPr lang="it-IT" sz="4000" dirty="0"/>
-          </a:p>
-          <a:p>
+              <a:rPr lang="it-IT" sz="4000" dirty="0" err="1"/>
+              <a:t>Continuous</a:t>
+            </a:r>
+            <a:r>
+              <a:rPr lang="it-IT" sz="4000" dirty="0"/>
+              <a:t> and </a:t>
+            </a:r>
+            <a:r>
+              <a:rPr lang="it-IT" sz="4000" dirty="0" err="1"/>
+              <a:t>Automated</a:t>
+            </a:r>
             <a:r>
               <a:rPr lang="it-IT" sz="4000" dirty="0"/>
               <a:t> </a:t>
             </a:r>
             <a:r>
-              <a:rPr lang="it-IT" sz="4000" dirty="0" smtClean="0"/>
-              <a:t>Integration </a:t>
-            </a:r>
-            <a:r>
-              <a:rPr lang="it-IT" sz="4000" dirty="0" err="1" smtClean="0"/>
+              <a:rPr lang="it-IT" sz="4000" dirty="0" err="1"/>
+              <a:t>Testing</a:t>
+            </a:r>
+            <a:endParaRPr lang="it-IT" sz="4000" dirty="0"/>
+          </a:p>
+          <a:p>
+            <a:endParaRPr lang="it-IT" sz="4000" dirty="0"/>
+          </a:p>
+          <a:p>
+            <a:r>
+              <a:rPr lang="it-IT" sz="4000" dirty="0"/>
+              <a:t> Unit </a:t>
+            </a:r>
+            <a:r>
+              <a:rPr lang="it-IT" sz="4000" dirty="0" err="1"/>
+              <a:t>Tests</a:t>
+            </a:r>
+            <a:endParaRPr lang="it-IT" sz="4000" dirty="0"/>
+          </a:p>
+          <a:p>
+            <a:endParaRPr lang="it-IT" sz="4000" dirty="0"/>
+          </a:p>
+          <a:p>
+            <a:r>
+              <a:rPr lang="it-IT" sz="4000" dirty="0"/>
+              <a:t> Integration </a:t>
+            </a:r>
+            <a:r>
+              <a:rPr lang="it-IT" sz="4000" dirty="0" err="1"/>
               <a:t>Tests</a:t>
             </a:r>
             <a:endParaRPr lang="en-GB" sz="4000" dirty="0"/>
@@ -15186,13 +15007,6 @@
   <p:clrMapOvr>
     <a:masterClrMapping/>
   </p:clrMapOvr>
-  <p:timing>
-    <p:tnLst>
-      <p:par>
-        <p:cTn id="1" dur="indefinite" restart="never" nodeType="tmRoot"/>
-      </p:par>
-    </p:tnLst>
-  </p:timing>
 </p:sld>
 </file>
 
@@ -15230,11 +15044,11 @@
           <a:p>
             <a:pPr algn="ctr"/>
             <a:r>
-              <a:rPr lang="it-IT" dirty="0" err="1" smtClean="0"/>
+              <a:rPr lang="it-IT" dirty="0" err="1"/>
               <a:t>Architectural</a:t>
             </a:r>
             <a:r>
-              <a:rPr lang="it-IT" dirty="0" smtClean="0"/>
+              <a:rPr lang="it-IT" dirty="0"/>
               <a:t> Style</a:t>
             </a:r>
             <a:endParaRPr lang="en-GB" dirty="0"/>
@@ -15304,13 +15118,6 @@
   <p:clrMapOvr>
     <a:masterClrMapping/>
   </p:clrMapOvr>
-  <p:timing>
-    <p:tnLst>
-      <p:par>
-        <p:cTn id="1" dur="indefinite" restart="never" nodeType="tmRoot"/>
-      </p:par>
-    </p:tnLst>
-  </p:timing>
 </p:sld>
 </file>
 
@@ -15348,11 +15155,11 @@
           <a:p>
             <a:pPr algn="ctr"/>
             <a:r>
-              <a:rPr lang="it-IT" dirty="0" smtClean="0"/>
+              <a:rPr lang="it-IT" dirty="0"/>
               <a:t>High Level Component </a:t>
             </a:r>
             <a:r>
-              <a:rPr lang="it-IT" dirty="0" err="1" smtClean="0"/>
+              <a:rPr lang="it-IT" dirty="0" err="1"/>
               <a:t>Diagram</a:t>
             </a:r>
             <a:endParaRPr lang="en-GB" dirty="0"/>
@@ -15422,13 +15229,6 @@
   <p:clrMapOvr>
     <a:masterClrMapping/>
   </p:clrMapOvr>
-  <p:timing>
-    <p:tnLst>
-      <p:par>
-        <p:cTn id="1" dur="indefinite" restart="never" nodeType="tmRoot"/>
-      </p:par>
-    </p:tnLst>
-  </p:timing>
 </p:sld>
 </file>
 
@@ -15466,11 +15266,11 @@
           <a:p>
             <a:pPr algn="ctr"/>
             <a:r>
-              <a:rPr lang="it-IT" dirty="0" smtClean="0"/>
+              <a:rPr lang="it-IT" dirty="0"/>
               <a:t>System Core Component </a:t>
             </a:r>
             <a:r>
-              <a:rPr lang="it-IT" dirty="0" err="1" smtClean="0"/>
+              <a:rPr lang="it-IT" dirty="0" err="1"/>
               <a:t>Diagram</a:t>
             </a:r>
             <a:endParaRPr lang="en-GB" dirty="0"/>
@@ -15540,13 +15340,6 @@
   <p:clrMapOvr>
     <a:masterClrMapping/>
   </p:clrMapOvr>
-  <p:timing>
-    <p:tnLst>
-      <p:par>
-        <p:cTn id="1" dur="indefinite" restart="never" nodeType="tmRoot"/>
-      </p:par>
-    </p:tnLst>
-  </p:timing>
 </p:sld>
 </file>
 
@@ -15584,11 +15377,11 @@
           <a:p>
             <a:pPr algn="ctr"/>
             <a:r>
-              <a:rPr lang="it-IT" dirty="0" smtClean="0"/>
+              <a:rPr lang="it-IT" dirty="0"/>
               <a:t>Create Meeting Runtime </a:t>
             </a:r>
             <a:r>
-              <a:rPr lang="it-IT" dirty="0" err="1" smtClean="0"/>
+              <a:rPr lang="it-IT" dirty="0" err="1"/>
               <a:t>Diagram</a:t>
             </a:r>
             <a:endParaRPr lang="en-GB" dirty="0"/>
@@ -15658,13 +15451,6 @@
   <p:clrMapOvr>
     <a:masterClrMapping/>
   </p:clrMapOvr>
-  <p:timing>
-    <p:tnLst>
-      <p:par>
-        <p:cTn id="1" dur="indefinite" restart="never" nodeType="tmRoot"/>
-      </p:par>
-    </p:tnLst>
-  </p:timing>
 </p:sld>
 </file>
 
@@ -15702,15 +15488,15 @@
           <a:p>
             <a:pPr algn="ctr"/>
             <a:r>
-              <a:rPr lang="it-IT" dirty="0" err="1" smtClean="0"/>
+              <a:rPr lang="it-IT" dirty="0" err="1"/>
               <a:t>Insert</a:t>
             </a:r>
             <a:r>
-              <a:rPr lang="it-IT" dirty="0" smtClean="0"/>
+              <a:rPr lang="it-IT" dirty="0"/>
               <a:t> Meeting Runtime </a:t>
             </a:r>
             <a:r>
-              <a:rPr lang="it-IT" dirty="0" err="1" smtClean="0"/>
+              <a:rPr lang="it-IT" dirty="0" err="1"/>
               <a:t>Diagram</a:t>
             </a:r>
             <a:endParaRPr lang="en-GB" dirty="0"/>
@@ -15780,13 +15566,6 @@
   <p:clrMapOvr>
     <a:masterClrMapping/>
   </p:clrMapOvr>
-  <p:timing>
-    <p:tnLst>
-      <p:par>
-        <p:cTn id="1" dur="indefinite" restart="never" nodeType="tmRoot"/>
-      </p:par>
-    </p:tnLst>
-  </p:timing>
 </p:sld>
 </file>
 
@@ -15824,23 +15603,23 @@
           <a:p>
             <a:pPr algn="ctr"/>
             <a:r>
-              <a:rPr lang="it-IT" dirty="0" err="1" smtClean="0"/>
+              <a:rPr lang="it-IT" dirty="0" err="1"/>
               <a:t>Rescheduling</a:t>
             </a:r>
             <a:r>
-              <a:rPr lang="it-IT" dirty="0" smtClean="0"/>
+              <a:rPr lang="it-IT" dirty="0"/>
               <a:t> </a:t>
             </a:r>
             <a:r>
-              <a:rPr lang="it-IT" dirty="0" err="1" smtClean="0"/>
+              <a:rPr lang="it-IT" dirty="0" err="1"/>
               <a:t>Proposal</a:t>
             </a:r>
             <a:r>
-              <a:rPr lang="it-IT" dirty="0" smtClean="0"/>
+              <a:rPr lang="it-IT" dirty="0"/>
               <a:t> Runtime </a:t>
             </a:r>
             <a:r>
-              <a:rPr lang="it-IT" dirty="0" err="1" smtClean="0"/>
+              <a:rPr lang="it-IT" dirty="0" err="1"/>
               <a:t>Diagram</a:t>
             </a:r>
             <a:endParaRPr lang="en-GB" dirty="0"/>
@@ -15910,13 +15689,6 @@
   <p:clrMapOvr>
     <a:masterClrMapping/>
   </p:clrMapOvr>
-  <p:timing>
-    <p:tnLst>
-      <p:par>
-        <p:cTn id="1" dur="indefinite" restart="never" nodeType="tmRoot"/>
-      </p:par>
-    </p:tnLst>
-  </p:timing>
 </p:sld>
 </file>
 
@@ -15954,11 +15726,11 @@
           <a:p>
             <a:pPr algn="ctr"/>
             <a:r>
-              <a:rPr lang="it-IT" dirty="0" smtClean="0"/>
+              <a:rPr lang="it-IT" dirty="0"/>
               <a:t>Design </a:t>
             </a:r>
             <a:r>
-              <a:rPr lang="it-IT" dirty="0" err="1" smtClean="0"/>
+              <a:rPr lang="it-IT" dirty="0" err="1"/>
               <a:t>Patterns</a:t>
             </a:r>
             <a:endParaRPr lang="en-GB" dirty="0"/>
@@ -15982,24 +15754,24 @@
           </a:bodyPr>
           <a:lstStyle/>
           <a:p>
-            <a:endParaRPr lang="it-IT" sz="4000" dirty="0" smtClean="0"/>
-          </a:p>
-          <a:p>
-            <a:r>
-              <a:rPr lang="it-IT" sz="4000" dirty="0" smtClean="0"/>
+            <a:endParaRPr lang="it-IT" sz="4000" dirty="0"/>
+          </a:p>
+          <a:p>
+            <a:r>
+              <a:rPr lang="it-IT" sz="4000" dirty="0"/>
               <a:t> Model </a:t>
             </a:r>
             <a:r>
-              <a:rPr lang="it-IT" sz="4000" dirty="0" err="1" smtClean="0"/>
+              <a:rPr lang="it-IT" sz="4000" dirty="0" err="1"/>
               <a:t>View</a:t>
             </a:r>
             <a:r>
-              <a:rPr lang="it-IT" sz="4000" dirty="0" smtClean="0"/>
+              <a:rPr lang="it-IT" sz="4000" dirty="0"/>
               <a:t> Controller</a:t>
             </a:r>
           </a:p>
           <a:p>
-            <a:endParaRPr lang="it-IT" sz="4000" dirty="0" smtClean="0"/>
+            <a:endParaRPr lang="it-IT" sz="4000" dirty="0"/>
           </a:p>
           <a:p>
             <a:r>
@@ -16007,30 +15779,26 @@
               <a:t> </a:t>
             </a:r>
             <a:r>
-              <a:rPr lang="it-IT" sz="4000" dirty="0" err="1" smtClean="0"/>
+              <a:rPr lang="it-IT" sz="4000" dirty="0" err="1"/>
               <a:t>Publish</a:t>
             </a:r>
             <a:r>
-              <a:rPr lang="it-IT" sz="4000" dirty="0" smtClean="0"/>
+              <a:rPr lang="it-IT" sz="4000" dirty="0"/>
               <a:t> – </a:t>
             </a:r>
             <a:r>
-              <a:rPr lang="it-IT" sz="4000" dirty="0" err="1" smtClean="0"/>
+              <a:rPr lang="it-IT" sz="4000" dirty="0" err="1"/>
               <a:t>Subscribe</a:t>
             </a:r>
-            <a:endParaRPr lang="it-IT" sz="4000" dirty="0" smtClean="0"/>
-          </a:p>
-          <a:p>
-            <a:endParaRPr lang="it-IT" sz="4000" dirty="0" smtClean="0"/>
+            <a:endParaRPr lang="it-IT" sz="4000" dirty="0"/>
+          </a:p>
+          <a:p>
+            <a:endParaRPr lang="it-IT" sz="4000" dirty="0"/>
           </a:p>
           <a:p>
             <a:r>
               <a:rPr lang="it-IT" sz="4000" dirty="0"/>
-              <a:t> </a:t>
-            </a:r>
-            <a:r>
-              <a:rPr lang="it-IT" sz="4000" dirty="0" smtClean="0"/>
-              <a:t>Adapter</a:t>
+              <a:t> Adapter</a:t>
             </a:r>
             <a:endParaRPr lang="en-GB" sz="4000" dirty="0"/>
           </a:p>
@@ -16070,13 +15838,6 @@
   <p:clrMapOvr>
     <a:masterClrMapping/>
   </p:clrMapOvr>
-  <p:timing>
-    <p:tnLst>
-      <p:par>
-        <p:cTn id="1" dur="indefinite" restart="never" nodeType="tmRoot"/>
-      </p:par>
-    </p:tnLst>
-  </p:timing>
 </p:sld>
 </file>
 
@@ -16114,15 +15875,15 @@
           <a:p>
             <a:pPr algn="ctr"/>
             <a:r>
-              <a:rPr lang="it-IT" dirty="0" err="1" smtClean="0"/>
+              <a:rPr lang="it-IT" dirty="0" err="1"/>
               <a:t>Calendar</a:t>
             </a:r>
             <a:r>
-              <a:rPr lang="it-IT" dirty="0" smtClean="0"/>
+              <a:rPr lang="it-IT" dirty="0"/>
               <a:t> Page UX </a:t>
             </a:r>
             <a:r>
-              <a:rPr lang="it-IT" dirty="0" err="1" smtClean="0"/>
+              <a:rPr lang="it-IT" dirty="0" err="1"/>
               <a:t>Diagram</a:t>
             </a:r>
             <a:endParaRPr lang="en-GB" dirty="0"/>
@@ -16192,13 +15953,6 @@
   <p:clrMapOvr>
     <a:masterClrMapping/>
   </p:clrMapOvr>
-  <p:timing>
-    <p:tnLst>
-      <p:par>
-        <p:cTn id="1" dur="indefinite" restart="never" nodeType="tmRoot"/>
-      </p:par>
-    </p:tnLst>
-  </p:timing>
 </p:sld>
 </file>
 
